--- a/Presentation.pptx
+++ b/Presentation.pptx
@@ -111,6 +111,11 @@
       </a:defRPr>
     </a:lvl9pPr>
   </p:defaultTextStyle>
+  <p:extLst>
+    <p:ext uri="{EFAFB233-063F-42B5-8137-9DF3F51BA10A}">
+      <p15:sldGuideLst xmlns:p15="http://schemas.microsoft.com/office/powerpoint/2012/main"/>
+    </p:ext>
+  </p:extLst>
 </p:presentation>
 </file>
 

--- a/Presentation.pptx
+++ b/Presentation.pptx
@@ -9,10 +9,14 @@
     <p:sldId id="257" r:id="rId3"/>
     <p:sldId id="258" r:id="rId4"/>
     <p:sldId id="259" r:id="rId5"/>
-    <p:sldId id="260" r:id="rId6"/>
-    <p:sldId id="261" r:id="rId7"/>
-    <p:sldId id="262" r:id="rId8"/>
-    <p:sldId id="263" r:id="rId9"/>
+    <p:sldId id="264" r:id="rId6"/>
+    <p:sldId id="266" r:id="rId7"/>
+    <p:sldId id="267" r:id="rId8"/>
+    <p:sldId id="265" r:id="rId9"/>
+    <p:sldId id="260" r:id="rId10"/>
+    <p:sldId id="261" r:id="rId11"/>
+    <p:sldId id="262" r:id="rId12"/>
+    <p:sldId id="263" r:id="rId13"/>
   </p:sldIdLst>
   <p:sldSz cx="12192000" cy="6858000"/>
   <p:notesSz cx="6858000" cy="9144000"/>
@@ -302,7 +306,7 @@
           <a:p>
             <a:fld id="{4AAD347D-5ACD-4C99-B74B-A9C85AD731AF}" type="datetimeFigureOut">
               <a:rPr lang="en-US" dirty="0"/>
-              <a:t>11/23/2019</a:t>
+              <a:t>11/25/2019</a:t>
             </a:fld>
             <a:endParaRPr lang="en-US" dirty="0"/>
           </a:p>
@@ -572,7 +576,7 @@
           <a:p>
             <a:fld id="{4509A250-FF31-4206-8172-F9D3106AACB1}" type="datetimeFigureOut">
               <a:rPr lang="en-US" dirty="0"/>
-              <a:t>11/23/2019</a:t>
+              <a:t>11/25/2019</a:t>
             </a:fld>
             <a:endParaRPr lang="en-US" dirty="0"/>
           </a:p>
@@ -761,7 +765,7 @@
           <a:p>
             <a:fld id="{4509A250-FF31-4206-8172-F9D3106AACB1}" type="datetimeFigureOut">
               <a:rPr lang="en-US" dirty="0"/>
-              <a:t>11/23/2019</a:t>
+              <a:t>11/25/2019</a:t>
             </a:fld>
             <a:endParaRPr lang="en-US" dirty="0"/>
           </a:p>
@@ -1024,7 +1028,7 @@
           <a:p>
             <a:fld id="{4509A250-FF31-4206-8172-F9D3106AACB1}" type="datetimeFigureOut">
               <a:rPr lang="en-US" dirty="0"/>
-              <a:t>11/23/2019</a:t>
+              <a:t>11/25/2019</a:t>
             </a:fld>
             <a:endParaRPr lang="en-US" dirty="0"/>
           </a:p>
@@ -1351,7 +1355,7 @@
           <a:p>
             <a:fld id="{4509A250-FF31-4206-8172-F9D3106AACB1}" type="datetimeFigureOut">
               <a:rPr lang="en-US" dirty="0"/>
-              <a:t>11/23/2019</a:t>
+              <a:t>11/25/2019</a:t>
             </a:fld>
             <a:endParaRPr lang="en-US" dirty="0"/>
           </a:p>
@@ -1956,7 +1960,7 @@
           <a:p>
             <a:fld id="{4509A250-FF31-4206-8172-F9D3106AACB1}" type="datetimeFigureOut">
               <a:rPr lang="en-US" dirty="0"/>
-              <a:t>11/23/2019</a:t>
+              <a:t>11/25/2019</a:t>
             </a:fld>
             <a:endParaRPr lang="en-US" dirty="0"/>
           </a:p>
@@ -2798,7 +2802,7 @@
           <a:p>
             <a:fld id="{4509A250-FF31-4206-8172-F9D3106AACB1}" type="datetimeFigureOut">
               <a:rPr lang="en-US" dirty="0"/>
-              <a:t>11/23/2019</a:t>
+              <a:t>11/25/2019</a:t>
             </a:fld>
             <a:endParaRPr lang="en-US" dirty="0"/>
           </a:p>
@@ -2963,7 +2967,7 @@
           <a:p>
             <a:fld id="{4509A250-FF31-4206-8172-F9D3106AACB1}" type="datetimeFigureOut">
               <a:rPr lang="en-US" dirty="0"/>
-              <a:t>11/23/2019</a:t>
+              <a:t>11/25/2019</a:t>
             </a:fld>
             <a:endParaRPr lang="en-US" dirty="0"/>
           </a:p>
@@ -3138,7 +3142,7 @@
           <a:p>
             <a:fld id="{4509A250-FF31-4206-8172-F9D3106AACB1}" type="datetimeFigureOut">
               <a:rPr lang="en-US" dirty="0"/>
-              <a:t>11/23/2019</a:t>
+              <a:t>11/25/2019</a:t>
             </a:fld>
             <a:endParaRPr lang="en-US" dirty="0"/>
           </a:p>
@@ -3303,7 +3307,7 @@
           <a:p>
             <a:fld id="{4509A250-FF31-4206-8172-F9D3106AACB1}" type="datetimeFigureOut">
               <a:rPr lang="en-US" dirty="0"/>
-              <a:t>11/23/2019</a:t>
+              <a:t>11/25/2019</a:t>
             </a:fld>
             <a:endParaRPr lang="en-US" dirty="0"/>
           </a:p>
@@ -3542,7 +3546,7 @@
           <a:p>
             <a:fld id="{4509A250-FF31-4206-8172-F9D3106AACB1}" type="datetimeFigureOut">
               <a:rPr lang="en-US" dirty="0"/>
-              <a:t>11/23/2019</a:t>
+              <a:t>11/25/2019</a:t>
             </a:fld>
             <a:endParaRPr lang="en-US" dirty="0"/>
           </a:p>
@@ -3829,7 +3833,7 @@
           <a:p>
             <a:fld id="{4509A250-FF31-4206-8172-F9D3106AACB1}" type="datetimeFigureOut">
               <a:rPr lang="en-US" dirty="0"/>
-              <a:t>11/23/2019</a:t>
+              <a:t>11/25/2019</a:t>
             </a:fld>
             <a:endParaRPr lang="en-US" dirty="0"/>
           </a:p>
@@ -4262,7 +4266,7 @@
           <a:p>
             <a:fld id="{4509A250-FF31-4206-8172-F9D3106AACB1}" type="datetimeFigureOut">
               <a:rPr lang="en-US" dirty="0"/>
-              <a:t>11/23/2019</a:t>
+              <a:t>11/25/2019</a:t>
             </a:fld>
             <a:endParaRPr lang="en-US" dirty="0"/>
           </a:p>
@@ -4375,7 +4379,7 @@
           <a:p>
             <a:fld id="{4509A250-FF31-4206-8172-F9D3106AACB1}" type="datetimeFigureOut">
               <a:rPr lang="en-US" dirty="0"/>
-              <a:t>11/23/2019</a:t>
+              <a:t>11/25/2019</a:t>
             </a:fld>
             <a:endParaRPr lang="en-US" dirty="0"/>
           </a:p>
@@ -4465,7 +4469,7 @@
           <a:p>
             <a:fld id="{4509A250-FF31-4206-8172-F9D3106AACB1}" type="datetimeFigureOut">
               <a:rPr lang="en-US" dirty="0"/>
-              <a:t>11/23/2019</a:t>
+              <a:t>11/25/2019</a:t>
             </a:fld>
             <a:endParaRPr lang="en-US" dirty="0"/>
           </a:p>
@@ -4739,7 +4743,7 @@
           <a:p>
             <a:fld id="{4509A250-FF31-4206-8172-F9D3106AACB1}" type="datetimeFigureOut">
               <a:rPr lang="en-US" dirty="0"/>
-              <a:t>11/23/2019</a:t>
+              <a:t>11/25/2019</a:t>
             </a:fld>
             <a:endParaRPr lang="en-US" dirty="0"/>
           </a:p>
@@ -5009,7 +5013,7 @@
           <a:p>
             <a:fld id="{4509A250-FF31-4206-8172-F9D3106AACB1}" type="datetimeFigureOut">
               <a:rPr lang="en-US" dirty="0"/>
-              <a:t>11/23/2019</a:t>
+              <a:t>11/25/2019</a:t>
             </a:fld>
             <a:endParaRPr lang="en-US" dirty="0"/>
           </a:p>
@@ -5433,7 +5437,7 @@
           <a:p>
             <a:fld id="{4509A250-FF31-4206-8172-F9D3106AACB1}" type="datetimeFigureOut">
               <a:rPr lang="en-US" dirty="0"/>
-              <a:t>11/23/2019</a:t>
+              <a:t>11/25/2019</a:t>
             </a:fld>
             <a:endParaRPr lang="en-US" dirty="0"/>
           </a:p>
@@ -6028,6 +6032,511 @@
 </p:sld>
 </file>
 
+<file path=ppt/slides/slide10.xml><?xml version="1.0" encoding="utf-8"?>
+<p:sld xmlns:a="http://schemas.openxmlformats.org/drawingml/2006/main" xmlns:r="http://schemas.openxmlformats.org/officeDocument/2006/relationships" xmlns:p="http://schemas.openxmlformats.org/presentationml/2006/main">
+  <p:cSld>
+    <p:spTree>
+      <p:nvGrpSpPr>
+        <p:cNvPr id="1" name=""/>
+        <p:cNvGrpSpPr/>
+        <p:nvPr/>
+      </p:nvGrpSpPr>
+      <p:grpSpPr>
+        <a:xfrm>
+          <a:off x="0" y="0"/>
+          <a:ext cx="0" cy="0"/>
+          <a:chOff x="0" y="0"/>
+          <a:chExt cx="0" cy="0"/>
+        </a:xfrm>
+      </p:grpSpPr>
+      <p:sp>
+        <p:nvSpPr>
+          <p:cNvPr id="2" name="Title 1">
+            <a:extLst>
+              <a:ext uri="{FF2B5EF4-FFF2-40B4-BE49-F238E27FC236}">
+                <a16:creationId xmlns:a16="http://schemas.microsoft.com/office/drawing/2014/main" id="{AD00C28F-E20E-4A25-8473-D97D85D93C5F}"/>
+              </a:ext>
+            </a:extLst>
+          </p:cNvPr>
+          <p:cNvSpPr>
+            <a:spLocks noGrp="1"/>
+          </p:cNvSpPr>
+          <p:nvPr>
+            <p:ph type="title"/>
+          </p:nvPr>
+        </p:nvSpPr>
+        <p:spPr/>
+        <p:txBody>
+          <a:bodyPr/>
+          <a:lstStyle/>
+          <a:p>
+            <a:r>
+              <a:rPr lang="en-US" dirty="0"/>
+              <a:t>Discussion</a:t>
+            </a:r>
+          </a:p>
+        </p:txBody>
+      </p:sp>
+      <p:sp>
+        <p:nvSpPr>
+          <p:cNvPr id="3" name="Rectangle 1">
+            <a:extLst>
+              <a:ext uri="{FF2B5EF4-FFF2-40B4-BE49-F238E27FC236}">
+                <a16:creationId xmlns:a16="http://schemas.microsoft.com/office/drawing/2014/main" id="{B67848B2-06B3-4940-8450-1B3D4BE71E00}"/>
+              </a:ext>
+            </a:extLst>
+          </p:cNvPr>
+          <p:cNvSpPr>
+            <a:spLocks noGrp="1" noChangeArrowheads="1"/>
+          </p:cNvSpPr>
+          <p:nvPr>
+            <p:ph idx="1"/>
+          </p:nvPr>
+        </p:nvSpPr>
+        <p:spPr bwMode="auto">
+          <a:xfrm>
+            <a:off x="1103313" y="2052637"/>
+            <a:ext cx="9860251" cy="646331"/>
+          </a:xfrm>
+          <a:prstGeom prst="rect">
+            <a:avLst/>
+          </a:prstGeom>
+          <a:noFill/>
+          <a:ln>
+            <a:noFill/>
+          </a:ln>
+          <a:effectLst/>
+          <a:extLst>
+            <a:ext uri="{909E8E84-426E-40DD-AFC4-6F175D3DCCD1}">
+              <a14:hiddenFill xmlns:a14="http://schemas.microsoft.com/office/drawing/2010/main">
+                <a:solidFill>
+                  <a:schemeClr val="accent1"/>
+                </a:solidFill>
+              </a14:hiddenFill>
+            </a:ext>
+            <a:ext uri="{91240B29-F687-4F45-9708-019B960494DF}">
+              <a14:hiddenLine xmlns:a14="http://schemas.microsoft.com/office/drawing/2010/main" w="9525">
+                <a:solidFill>
+                  <a:schemeClr val="tx1"/>
+                </a:solidFill>
+                <a:miter lim="800000"/>
+                <a:headEnd/>
+                <a:tailEnd/>
+              </a14:hiddenLine>
+            </a:ext>
+            <a:ext uri="{AF507438-7753-43E0-B8FC-AC1667EBCBE1}">
+              <a14:hiddenEffects xmlns:a14="http://schemas.microsoft.com/office/drawing/2010/main">
+                <a:effectLst>
+                  <a:outerShdw dist="35921" dir="2700000" algn="ctr" rotWithShape="0">
+                    <a:schemeClr val="bg2"/>
+                  </a:outerShdw>
+                </a:effectLst>
+              </a14:hiddenEffects>
+            </a:ext>
+          </a:extLst>
+        </p:spPr>
+        <p:txBody>
+          <a:bodyPr vert="horz" wrap="square" lIns="91440" tIns="45720" rIns="91440" bIns="45720" numCol="1" anchor="t" anchorCtr="0" compatLnSpc="1">
+            <a:prstTxWarp prst="textNoShape">
+              <a:avLst/>
+            </a:prstTxWarp>
+            <a:spAutoFit/>
+          </a:bodyPr>
+          <a:lstStyle/>
+          <a:p>
+            <a:pPr defTabSz="914400" eaLnBrk="0" fontAlgn="base" hangingPunct="0">
+              <a:spcBef>
+                <a:spcPct val="0"/>
+              </a:spcBef>
+              <a:spcAft>
+                <a:spcPct val="0"/>
+              </a:spcAft>
+              <a:buClrTx/>
+              <a:buSzTx/>
+            </a:pPr>
+            <a:r>
+              <a:rPr lang="en-US" sz="1800" dirty="0"/>
+              <a:t>Discuss your findings. Did you find what you expected to find? If not, why not? What inferences or general conclusions can you draw from your analysis?</a:t>
+            </a:r>
+            <a:endParaRPr kumimoji="0" lang="en-US" altLang="en-US" sz="1800" b="0" i="0" u="none" strike="noStrike" cap="none" normalizeH="0" baseline="0" dirty="0">
+              <a:ln>
+                <a:noFill/>
+              </a:ln>
+              <a:solidFill>
+                <a:schemeClr val="tx1"/>
+              </a:solidFill>
+              <a:effectLst/>
+              <a:latin typeface="Arial" panose="020B0604020202020204" pitchFamily="34" charset="0"/>
+            </a:endParaRPr>
+          </a:p>
+        </p:txBody>
+      </p:sp>
+    </p:spTree>
+    <p:extLst>
+      <p:ext uri="{BB962C8B-B14F-4D97-AF65-F5344CB8AC3E}">
+        <p14:creationId xmlns:p14="http://schemas.microsoft.com/office/powerpoint/2010/main" val="1786579290"/>
+      </p:ext>
+    </p:extLst>
+  </p:cSld>
+  <p:clrMapOvr>
+    <a:masterClrMapping/>
+  </p:clrMapOvr>
+</p:sld>
+</file>
+
+<file path=ppt/slides/slide11.xml><?xml version="1.0" encoding="utf-8"?>
+<p:sld xmlns:a="http://schemas.openxmlformats.org/drawingml/2006/main" xmlns:r="http://schemas.openxmlformats.org/officeDocument/2006/relationships" xmlns:p="http://schemas.openxmlformats.org/presentationml/2006/main">
+  <p:cSld>
+    <p:spTree>
+      <p:nvGrpSpPr>
+        <p:cNvPr id="1" name=""/>
+        <p:cNvGrpSpPr/>
+        <p:nvPr/>
+      </p:nvGrpSpPr>
+      <p:grpSpPr>
+        <a:xfrm>
+          <a:off x="0" y="0"/>
+          <a:ext cx="0" cy="0"/>
+          <a:chOff x="0" y="0"/>
+          <a:chExt cx="0" cy="0"/>
+        </a:xfrm>
+      </p:grpSpPr>
+      <p:sp>
+        <p:nvSpPr>
+          <p:cNvPr id="2" name="Title 1">
+            <a:extLst>
+              <a:ext uri="{FF2B5EF4-FFF2-40B4-BE49-F238E27FC236}">
+                <a16:creationId xmlns:a16="http://schemas.microsoft.com/office/drawing/2014/main" id="{AD00C28F-E20E-4A25-8473-D97D85D93C5F}"/>
+              </a:ext>
+            </a:extLst>
+          </p:cNvPr>
+          <p:cNvSpPr>
+            <a:spLocks noGrp="1"/>
+          </p:cNvSpPr>
+          <p:nvPr>
+            <p:ph type="title"/>
+          </p:nvPr>
+        </p:nvSpPr>
+        <p:spPr/>
+        <p:txBody>
+          <a:bodyPr/>
+          <a:lstStyle/>
+          <a:p>
+            <a:r>
+              <a:rPr lang="en-US" dirty="0"/>
+              <a:t>Post Mortem</a:t>
+            </a:r>
+          </a:p>
+        </p:txBody>
+      </p:sp>
+      <p:sp>
+        <p:nvSpPr>
+          <p:cNvPr id="5" name="Rectangle 2">
+            <a:extLst>
+              <a:ext uri="{FF2B5EF4-FFF2-40B4-BE49-F238E27FC236}">
+                <a16:creationId xmlns:a16="http://schemas.microsoft.com/office/drawing/2014/main" id="{F47D4FC3-080D-4722-BD16-79623144B4F3}"/>
+              </a:ext>
+            </a:extLst>
+          </p:cNvPr>
+          <p:cNvSpPr>
+            <a:spLocks noGrp="1" noChangeArrowheads="1"/>
+          </p:cNvSpPr>
+          <p:nvPr>
+            <p:ph idx="1"/>
+          </p:nvPr>
+        </p:nvSpPr>
+        <p:spPr bwMode="auto">
+          <a:xfrm>
+            <a:off x="1103313" y="1775916"/>
+            <a:ext cx="9679253" cy="923330"/>
+          </a:xfrm>
+          <a:prstGeom prst="rect">
+            <a:avLst/>
+          </a:prstGeom>
+          <a:noFill/>
+          <a:ln>
+            <a:noFill/>
+          </a:ln>
+          <a:effectLst/>
+          <a:extLst>
+            <a:ext uri="{909E8E84-426E-40DD-AFC4-6F175D3DCCD1}">
+              <a14:hiddenFill xmlns:a14="http://schemas.microsoft.com/office/drawing/2010/main">
+                <a:solidFill>
+                  <a:schemeClr val="accent1"/>
+                </a:solidFill>
+              </a14:hiddenFill>
+            </a:ext>
+            <a:ext uri="{91240B29-F687-4F45-9708-019B960494DF}">
+              <a14:hiddenLine xmlns:a14="http://schemas.microsoft.com/office/drawing/2010/main" w="9525">
+                <a:solidFill>
+                  <a:schemeClr val="tx1"/>
+                </a:solidFill>
+                <a:miter lim="800000"/>
+                <a:headEnd/>
+                <a:tailEnd/>
+              </a14:hiddenLine>
+            </a:ext>
+            <a:ext uri="{AF507438-7753-43E0-B8FC-AC1667EBCBE1}">
+              <a14:hiddenEffects xmlns:a14="http://schemas.microsoft.com/office/drawing/2010/main">
+                <a:effectLst>
+                  <a:outerShdw dist="35921" dir="2700000" algn="ctr" rotWithShape="0">
+                    <a:schemeClr val="bg2"/>
+                  </a:outerShdw>
+                </a:effectLst>
+              </a14:hiddenEffects>
+            </a:ext>
+          </a:extLst>
+        </p:spPr>
+        <p:txBody>
+          <a:bodyPr vert="horz" wrap="none" lIns="91440" tIns="45720" rIns="91440" bIns="45720" numCol="1" anchor="ctr" anchorCtr="0" compatLnSpc="1">
+            <a:prstTxWarp prst="textNoShape">
+              <a:avLst/>
+            </a:prstTxWarp>
+            <a:spAutoFit/>
+          </a:bodyPr>
+          <a:lstStyle/>
+          <a:p>
+            <a:pPr defTabSz="914400" eaLnBrk="0" fontAlgn="base" hangingPunct="0">
+              <a:spcBef>
+                <a:spcPct val="0"/>
+              </a:spcBef>
+              <a:spcAft>
+                <a:spcPct val="0"/>
+              </a:spcAft>
+              <a:buClrTx/>
+              <a:buSzTx/>
+            </a:pPr>
+            <a:r>
+              <a:rPr kumimoji="0" lang="en-US" altLang="en-US" sz="1800" b="0" i="0" u="none" strike="noStrike" cap="none" normalizeH="0" baseline="0" dirty="0">
+                <a:ln>
+                  <a:noFill/>
+                </a:ln>
+                <a:solidFill>
+                  <a:schemeClr val="tx1"/>
+                </a:solidFill>
+                <a:effectLst/>
+                <a:latin typeface="Arial" panose="020B0604020202020204" pitchFamily="34" charset="0"/>
+              </a:rPr>
+              <a:t>Discuss any difficulties that arose, and how you dealt with them </a:t>
+            </a:r>
+          </a:p>
+          <a:p>
+            <a:pPr defTabSz="914400" eaLnBrk="0" fontAlgn="base" hangingPunct="0">
+              <a:spcBef>
+                <a:spcPct val="0"/>
+              </a:spcBef>
+              <a:spcAft>
+                <a:spcPct val="0"/>
+              </a:spcAft>
+              <a:buClrTx/>
+              <a:buSzTx/>
+            </a:pPr>
+            <a:r>
+              <a:rPr kumimoji="0" lang="en-US" altLang="en-US" sz="1800" b="0" i="0" u="none" strike="noStrike" cap="none" normalizeH="0" baseline="0" dirty="0">
+                <a:ln>
+                  <a:noFill/>
+                </a:ln>
+                <a:solidFill>
+                  <a:schemeClr val="tx1"/>
+                </a:solidFill>
+                <a:effectLst/>
+                <a:latin typeface="Arial" panose="020B0604020202020204" pitchFamily="34" charset="0"/>
+              </a:rPr>
+              <a:t>Discuss any additional questions that came up, but which you didn't have time to answer: </a:t>
+            </a:r>
+          </a:p>
+          <a:p>
+            <a:pPr defTabSz="914400" eaLnBrk="0" fontAlgn="base" hangingPunct="0">
+              <a:spcBef>
+                <a:spcPct val="0"/>
+              </a:spcBef>
+              <a:spcAft>
+                <a:spcPct val="0"/>
+              </a:spcAft>
+              <a:buClrTx/>
+              <a:buSzTx/>
+            </a:pPr>
+            <a:r>
+              <a:rPr kumimoji="0" lang="en-US" altLang="en-US" sz="1800" b="0" i="0" u="none" strike="noStrike" cap="none" normalizeH="0" baseline="0" dirty="0">
+                <a:ln>
+                  <a:noFill/>
+                </a:ln>
+                <a:solidFill>
+                  <a:schemeClr val="tx1"/>
+                </a:solidFill>
+                <a:effectLst/>
+                <a:latin typeface="Arial" panose="020B0604020202020204" pitchFamily="34" charset="0"/>
+              </a:rPr>
+              <a:t>What would you research next, if you had two more weeks? </a:t>
+            </a:r>
+          </a:p>
+        </p:txBody>
+      </p:sp>
+    </p:spTree>
+    <p:extLst>
+      <p:ext uri="{BB962C8B-B14F-4D97-AF65-F5344CB8AC3E}">
+        <p14:creationId xmlns:p14="http://schemas.microsoft.com/office/powerpoint/2010/main" val="1096187092"/>
+      </p:ext>
+    </p:extLst>
+  </p:cSld>
+  <p:clrMapOvr>
+    <a:masterClrMapping/>
+  </p:clrMapOvr>
+</p:sld>
+</file>
+
+<file path=ppt/slides/slide12.xml><?xml version="1.0" encoding="utf-8"?>
+<p:sld xmlns:a="http://schemas.openxmlformats.org/drawingml/2006/main" xmlns:r="http://schemas.openxmlformats.org/officeDocument/2006/relationships" xmlns:p="http://schemas.openxmlformats.org/presentationml/2006/main">
+  <p:cSld>
+    <p:spTree>
+      <p:nvGrpSpPr>
+        <p:cNvPr id="1" name=""/>
+        <p:cNvGrpSpPr/>
+        <p:nvPr/>
+      </p:nvGrpSpPr>
+      <p:grpSpPr>
+        <a:xfrm>
+          <a:off x="0" y="0"/>
+          <a:ext cx="0" cy="0"/>
+          <a:chOff x="0" y="0"/>
+          <a:chExt cx="0" cy="0"/>
+        </a:xfrm>
+      </p:grpSpPr>
+      <p:sp>
+        <p:nvSpPr>
+          <p:cNvPr id="2" name="Title 1">
+            <a:extLst>
+              <a:ext uri="{FF2B5EF4-FFF2-40B4-BE49-F238E27FC236}">
+                <a16:creationId xmlns:a16="http://schemas.microsoft.com/office/drawing/2014/main" id="{AD00C28F-E20E-4A25-8473-D97D85D93C5F}"/>
+              </a:ext>
+            </a:extLst>
+          </p:cNvPr>
+          <p:cNvSpPr>
+            <a:spLocks noGrp="1"/>
+          </p:cNvSpPr>
+          <p:nvPr>
+            <p:ph type="title"/>
+          </p:nvPr>
+        </p:nvSpPr>
+        <p:spPr/>
+        <p:txBody>
+          <a:bodyPr/>
+          <a:lstStyle/>
+          <a:p>
+            <a:r>
+              <a:rPr lang="en-US" dirty="0"/>
+              <a:t>Questions</a:t>
+            </a:r>
+          </a:p>
+        </p:txBody>
+      </p:sp>
+      <p:sp>
+        <p:nvSpPr>
+          <p:cNvPr id="3" name="Rectangle 1">
+            <a:extLst>
+              <a:ext uri="{FF2B5EF4-FFF2-40B4-BE49-F238E27FC236}">
+                <a16:creationId xmlns:a16="http://schemas.microsoft.com/office/drawing/2014/main" id="{B67848B2-06B3-4940-8450-1B3D4BE71E00}"/>
+              </a:ext>
+            </a:extLst>
+          </p:cNvPr>
+          <p:cNvSpPr>
+            <a:spLocks noGrp="1" noChangeArrowheads="1"/>
+          </p:cNvSpPr>
+          <p:nvPr>
+            <p:ph idx="1"/>
+          </p:nvPr>
+        </p:nvSpPr>
+        <p:spPr bwMode="auto">
+          <a:xfrm>
+            <a:off x="1103313" y="2052637"/>
+            <a:ext cx="9860251" cy="369332"/>
+          </a:xfrm>
+          <a:prstGeom prst="rect">
+            <a:avLst/>
+          </a:prstGeom>
+          <a:noFill/>
+          <a:ln>
+            <a:noFill/>
+          </a:ln>
+          <a:effectLst/>
+          <a:extLst>
+            <a:ext uri="{909E8E84-426E-40DD-AFC4-6F175D3DCCD1}">
+              <a14:hiddenFill xmlns:a14="http://schemas.microsoft.com/office/drawing/2010/main">
+                <a:solidFill>
+                  <a:schemeClr val="accent1"/>
+                </a:solidFill>
+              </a14:hiddenFill>
+            </a:ext>
+            <a:ext uri="{91240B29-F687-4F45-9708-019B960494DF}">
+              <a14:hiddenLine xmlns:a14="http://schemas.microsoft.com/office/drawing/2010/main" w="9525">
+                <a:solidFill>
+                  <a:schemeClr val="tx1"/>
+                </a:solidFill>
+                <a:miter lim="800000"/>
+                <a:headEnd/>
+                <a:tailEnd/>
+              </a14:hiddenLine>
+            </a:ext>
+            <a:ext uri="{AF507438-7753-43E0-B8FC-AC1667EBCBE1}">
+              <a14:hiddenEffects xmlns:a14="http://schemas.microsoft.com/office/drawing/2010/main">
+                <a:effectLst>
+                  <a:outerShdw dist="35921" dir="2700000" algn="ctr" rotWithShape="0">
+                    <a:schemeClr val="bg2"/>
+                  </a:outerShdw>
+                </a:effectLst>
+              </a14:hiddenEffects>
+            </a:ext>
+          </a:extLst>
+        </p:spPr>
+        <p:txBody>
+          <a:bodyPr vert="horz" wrap="square" lIns="91440" tIns="45720" rIns="91440" bIns="45720" numCol="1" anchor="t" anchorCtr="0" compatLnSpc="1">
+            <a:prstTxWarp prst="textNoShape">
+              <a:avLst/>
+            </a:prstTxWarp>
+            <a:spAutoFit/>
+          </a:bodyPr>
+          <a:lstStyle/>
+          <a:p>
+            <a:pPr defTabSz="914400" eaLnBrk="0" fontAlgn="base" hangingPunct="0">
+              <a:spcBef>
+                <a:spcPct val="0"/>
+              </a:spcBef>
+              <a:spcAft>
+                <a:spcPct val="0"/>
+              </a:spcAft>
+              <a:buClrTx/>
+              <a:buSzTx/>
+            </a:pPr>
+            <a:r>
+              <a:rPr lang="en-US" sz="1800" dirty="0"/>
+              <a:t>Open-floor Q&amp;A with the audience</a:t>
+            </a:r>
+            <a:endParaRPr kumimoji="0" lang="en-US" altLang="en-US" sz="1800" b="0" i="0" u="none" strike="noStrike" cap="none" normalizeH="0" baseline="0" dirty="0">
+              <a:ln>
+                <a:noFill/>
+              </a:ln>
+              <a:solidFill>
+                <a:schemeClr val="tx1"/>
+              </a:solidFill>
+              <a:effectLst/>
+              <a:latin typeface="Arial" panose="020B0604020202020204" pitchFamily="34" charset="0"/>
+            </a:endParaRPr>
+          </a:p>
+        </p:txBody>
+      </p:sp>
+    </p:spTree>
+    <p:extLst>
+      <p:ext uri="{BB962C8B-B14F-4D97-AF65-F5344CB8AC3E}">
+        <p14:creationId xmlns:p14="http://schemas.microsoft.com/office/powerpoint/2010/main" val="29544680"/>
+      </p:ext>
+    </p:extLst>
+  </p:cSld>
+  <p:clrMapOvr>
+    <a:masterClrMapping/>
+  </p:clrMapOvr>
+</p:sld>
+</file>
+
 <file path=ppt/slides/slide2.xml><?xml version="1.0" encoding="utf-8"?>
 <p:sld xmlns:a="http://schemas.openxmlformats.org/drawingml/2006/main" xmlns:r="http://schemas.openxmlformats.org/officeDocument/2006/relationships" xmlns:p="http://schemas.openxmlformats.org/presentationml/2006/main">
   <p:cSld>
@@ -6068,7 +6577,7 @@
           <a:p>
             <a:r>
               <a:rPr lang="en-US" dirty="0"/>
-              <a:t>Motivation &amp; Summary Slide</a:t>
+              <a:t>Hypothesis and Questions</a:t>
             </a:r>
           </a:p>
         </p:txBody>
@@ -6092,7 +6601,7 @@
         <p:spPr bwMode="auto">
           <a:xfrm>
             <a:off x="1103312" y="2052918"/>
-            <a:ext cx="8766829" cy="1200329"/>
+            <a:ext cx="8766829" cy="2708434"/>
           </a:xfrm>
           <a:prstGeom prst="rect">
             <a:avLst/>
@@ -6161,7 +6670,36 @@
                 <a:effectLst/>
                 <a:latin typeface="Arial" panose="020B0604020202020204" pitchFamily="34" charset="0"/>
               </a:rPr>
-              <a:t>Define the core message or hypothesis of your project. </a:t>
+              <a:t>Thesis: Yelp review behavior is impacted by whether you’re a male or female as well as where you by where you live.</a:t>
+            </a:r>
+            <a:endParaRPr lang="en-US" altLang="en-US" sz="1800" dirty="0">
+              <a:latin typeface="Arial" panose="020B0604020202020204" pitchFamily="34" charset="0"/>
+            </a:endParaRPr>
+          </a:p>
+          <a:p>
+            <a:pPr marL="0" indent="0" defTabSz="914400" eaLnBrk="0" fontAlgn="base" hangingPunct="0">
+              <a:spcBef>
+                <a:spcPct val="0"/>
+              </a:spcBef>
+              <a:spcAft>
+                <a:spcPct val="0"/>
+              </a:spcAft>
+              <a:buClrTx/>
+              <a:buSzTx/>
+              <a:buNone/>
+            </a:pPr>
+            <a:r>
+              <a:rPr kumimoji="0" lang="en-US" altLang="en-US" sz="1800" b="0" i="0" u="none" strike="noStrike" cap="none" normalizeH="0" baseline="0" dirty="0">
+                <a:ln>
+                  <a:noFill/>
+                </a:ln>
+                <a:solidFill>
+                  <a:schemeClr val="tx1"/>
+                </a:solidFill>
+                <a:effectLst/>
+                <a:latin typeface="Arial" panose="020B0604020202020204" pitchFamily="34" charset="0"/>
+              </a:rPr>
+              <a:t> </a:t>
             </a:r>
           </a:p>
           <a:p>
@@ -6186,10 +6724,50 @@
                 <a:effectLst/>
                 <a:latin typeface="Arial" panose="020B0604020202020204" pitchFamily="34" charset="0"/>
               </a:rPr>
-              <a:t>Describe the questions you asked, and </a:t>
-            </a:r>
-            <a:r>
-              <a:rPr kumimoji="0" lang="en-US" altLang="en-US" sz="1800" b="0" i="1" u="none" strike="noStrike" cap="none" normalizeH="0" baseline="0" dirty="0">
+              <a:t>In order to determine this the following questions need to be answered:</a:t>
+            </a:r>
+          </a:p>
+          <a:p>
+            <a:pPr lvl="1" defTabSz="914400" eaLnBrk="0" fontAlgn="base" hangingPunct="0">
+              <a:spcBef>
+                <a:spcPct val="0"/>
+              </a:spcBef>
+              <a:spcAft>
+                <a:spcPct val="0"/>
+              </a:spcAft>
+              <a:buClrTx/>
+              <a:buSzTx/>
+            </a:pPr>
+            <a:r>
+              <a:rPr lang="en-US" altLang="en-US" sz="1600" dirty="0">
+                <a:latin typeface="Arial" panose="020B0604020202020204" pitchFamily="34" charset="0"/>
+              </a:rPr>
+              <a:t>Are men and women perceived differently by their peers</a:t>
+            </a:r>
+            <a:endParaRPr kumimoji="0" lang="en-US" altLang="en-US" sz="1600" b="0" i="0" u="none" strike="noStrike" cap="none" normalizeH="0" baseline="0" dirty="0">
+              <a:ln>
+                <a:noFill/>
+              </a:ln>
+              <a:solidFill>
+                <a:schemeClr val="tx1"/>
+              </a:solidFill>
+              <a:effectLst/>
+              <a:latin typeface="Arial" panose="020B0604020202020204" pitchFamily="34" charset="0"/>
+            </a:endParaRPr>
+          </a:p>
+          <a:p>
+            <a:pPr lvl="1" defTabSz="914400" eaLnBrk="0" fontAlgn="base" hangingPunct="0">
+              <a:spcBef>
+                <a:spcPct val="0"/>
+              </a:spcBef>
+              <a:spcAft>
+                <a:spcPct val="0"/>
+              </a:spcAft>
+              <a:buClrTx/>
+              <a:buSzTx/>
+            </a:pPr>
+            <a:r>
+              <a:rPr kumimoji="0" lang="en-US" altLang="en-US" sz="1600" b="0" i="0" u="none" strike="noStrike" cap="none" normalizeH="0" baseline="0" dirty="0">
                 <a:ln>
                   <a:noFill/>
                 </a:ln>
@@ -6199,10 +6777,22 @@
                 <a:effectLst/>
                 <a:latin typeface="Arial" panose="020B0604020202020204" pitchFamily="34" charset="0"/>
               </a:rPr>
-              <a:t>why</a:t>
-            </a:r>
-            <a:r>
-              <a:rPr kumimoji="0" lang="en-US" altLang="en-US" sz="1800" b="0" i="0" u="none" strike="noStrike" cap="none" normalizeH="0" baseline="0" dirty="0">
+              <a:t>Do men review restaurants different from women when it comes to the type of restaurants they review (cheap to expensive) and the ratings they give</a:t>
+            </a:r>
+          </a:p>
+          <a:p>
+            <a:pPr lvl="1" defTabSz="914400" eaLnBrk="0" fontAlgn="base" hangingPunct="0">
+              <a:spcBef>
+                <a:spcPct val="0"/>
+              </a:spcBef>
+              <a:spcAft>
+                <a:spcPct val="0"/>
+              </a:spcAft>
+              <a:buClrTx/>
+              <a:buSzTx/>
+            </a:pPr>
+            <a:r>
+              <a:rPr kumimoji="0" lang="en-US" altLang="en-US" sz="1600" b="0" i="0" u="none" strike="noStrike" cap="none" normalizeH="0" baseline="0" dirty="0">
                 <a:ln>
                   <a:noFill/>
                 </a:ln>
@@ -6212,8 +6802,36 @@
                 <a:effectLst/>
                 <a:latin typeface="Arial" panose="020B0604020202020204" pitchFamily="34" charset="0"/>
               </a:rPr>
-              <a:t> you asked them</a:t>
-            </a:r>
+              <a:t>H</a:t>
+            </a:r>
+            <a:r>
+              <a:rPr lang="en-US" altLang="en-US" sz="1600" dirty="0">
+                <a:latin typeface="Arial" panose="020B0604020202020204" pitchFamily="34" charset="0"/>
+              </a:rPr>
+              <a:t>ow is review behavior related to local economical circumstances.</a:t>
+            </a:r>
+          </a:p>
+          <a:p>
+            <a:pPr lvl="1" defTabSz="914400" eaLnBrk="0" fontAlgn="base" hangingPunct="0">
+              <a:spcBef>
+                <a:spcPct val="0"/>
+              </a:spcBef>
+              <a:spcAft>
+                <a:spcPct val="0"/>
+              </a:spcAft>
+              <a:buClrTx/>
+              <a:buSzTx/>
+            </a:pPr>
+            <a:endParaRPr kumimoji="0" lang="en-US" altLang="en-US" sz="1600" b="0" i="0" u="none" strike="noStrike" cap="none" normalizeH="0" baseline="0" dirty="0">
+              <a:ln>
+                <a:noFill/>
+              </a:ln>
+              <a:solidFill>
+                <a:schemeClr val="tx1"/>
+              </a:solidFill>
+              <a:effectLst/>
+              <a:latin typeface="Arial" panose="020B0604020202020204" pitchFamily="34" charset="0"/>
+            </a:endParaRPr>
           </a:p>
           <a:p>
             <a:pPr defTabSz="914400" eaLnBrk="0" fontAlgn="base" hangingPunct="0">
@@ -6237,7 +6855,7 @@
                 <a:effectLst/>
                 <a:latin typeface="Arial" panose="020B0604020202020204" pitchFamily="34" charset="0"/>
               </a:rPr>
-              <a:t>Describe whether you were able to answer these questions to your satisfaction, and briefly summarize your findings </a:t>
+              <a:t>Answer for each question above in 1 sentence</a:t>
             </a:r>
           </a:p>
         </p:txBody>
@@ -6319,7 +6937,7 @@
         <p:spPr bwMode="auto">
           <a:xfrm>
             <a:off x="1103312" y="2052918"/>
-            <a:ext cx="8766829" cy="646331"/>
+            <a:ext cx="9591582" cy="1846659"/>
           </a:xfrm>
           <a:prstGeom prst="rect">
             <a:avLst/>
@@ -6379,18 +6997,114 @@
             </a:pPr>
             <a:r>
               <a:rPr lang="en-US" sz="1800" dirty="0"/>
-              <a:t>Elaborate on the questions you asked, describing what kinds of data you needed to answer them, and where you found it</a:t>
-            </a:r>
-            <a:endParaRPr kumimoji="0" lang="en-US" altLang="en-US" sz="1800" b="0" i="0" u="none" strike="noStrike" cap="none" normalizeH="0" baseline="0" dirty="0">
-              <a:ln>
-                <a:noFill/>
-              </a:ln>
-              <a:solidFill>
-                <a:schemeClr val="tx1"/>
-              </a:solidFill>
-              <a:effectLst/>
-              <a:latin typeface="Arial" panose="020B0604020202020204" pitchFamily="34" charset="0"/>
-            </a:endParaRPr>
+              <a:t>In order to answer the questions, the following </a:t>
+            </a:r>
+            <a:r>
+              <a:rPr lang="en-US" sz="1800" dirty="0" err="1"/>
+              <a:t>datasources</a:t>
+            </a:r>
+            <a:r>
+              <a:rPr lang="en-US" sz="1800" dirty="0"/>
+              <a:t> were used:</a:t>
+            </a:r>
+          </a:p>
+          <a:p>
+            <a:pPr lvl="1" defTabSz="914400" eaLnBrk="0" fontAlgn="base" hangingPunct="0">
+              <a:spcBef>
+                <a:spcPct val="0"/>
+              </a:spcBef>
+              <a:spcAft>
+                <a:spcPct val="0"/>
+              </a:spcAft>
+              <a:buClrTx/>
+              <a:buSzTx/>
+            </a:pPr>
+            <a:r>
+              <a:rPr lang="en-US" altLang="en-US" sz="1600" dirty="0">
+                <a:latin typeface="Arial" panose="020B0604020202020204" pitchFamily="34" charset="0"/>
+              </a:rPr>
+              <a:t>Three</a:t>
+            </a:r>
+            <a:r>
+              <a:rPr kumimoji="0" lang="en-US" altLang="en-US" sz="1600" b="0" i="0" u="none" strike="noStrike" cap="none" normalizeH="0" baseline="0" dirty="0">
+                <a:ln>
+                  <a:noFill/>
+                </a:ln>
+                <a:solidFill>
+                  <a:schemeClr val="tx1"/>
+                </a:solidFill>
+                <a:effectLst/>
+                <a:latin typeface="Arial" panose="020B0604020202020204" pitchFamily="34" charset="0"/>
+              </a:rPr>
+              <a:t> .</a:t>
+            </a:r>
+            <a:r>
+              <a:rPr lang="en-US" altLang="en-US" sz="1600" dirty="0">
+                <a:latin typeface="Arial" panose="020B0604020202020204" pitchFamily="34" charset="0"/>
+              </a:rPr>
+              <a:t>json downloads containing data on YELP users, businesses and reviews (year 2000-2015)</a:t>
+            </a:r>
+          </a:p>
+          <a:p>
+            <a:pPr lvl="1" defTabSz="914400" eaLnBrk="0" fontAlgn="base" hangingPunct="0">
+              <a:spcBef>
+                <a:spcPct val="0"/>
+              </a:spcBef>
+              <a:spcAft>
+                <a:spcPct val="0"/>
+              </a:spcAft>
+              <a:buClrTx/>
+              <a:buSzTx/>
+            </a:pPr>
+            <a:r>
+              <a:rPr lang="en-US" altLang="en-US" sz="1600" dirty="0">
+                <a:latin typeface="Arial" panose="020B0604020202020204" pitchFamily="34" charset="0"/>
+              </a:rPr>
+              <a:t>One .csv file containing close to 70.000 names and their associated gender (male, female, both or unknown)</a:t>
+            </a:r>
+          </a:p>
+          <a:p>
+            <a:pPr lvl="1" defTabSz="914400" eaLnBrk="0" fontAlgn="base" hangingPunct="0">
+              <a:spcBef>
+                <a:spcPct val="0"/>
+              </a:spcBef>
+              <a:spcAft>
+                <a:spcPct val="0"/>
+              </a:spcAft>
+              <a:buClrTx/>
+              <a:buSzTx/>
+            </a:pPr>
+            <a:r>
+              <a:rPr lang="en-US" altLang="en-US" sz="1600" dirty="0">
+                <a:latin typeface="Arial" panose="020B0604020202020204" pitchFamily="34" charset="0"/>
+              </a:rPr>
+              <a:t>Two Yelp API’s (one with business data and one with review data</a:t>
+            </a:r>
+          </a:p>
+          <a:p>
+            <a:pPr lvl="1" defTabSz="914400" eaLnBrk="0" fontAlgn="base" hangingPunct="0">
+              <a:spcBef>
+                <a:spcPct val="0"/>
+              </a:spcBef>
+              <a:spcAft>
+                <a:spcPct val="0"/>
+              </a:spcAft>
+              <a:buClrTx/>
+              <a:buSzTx/>
+            </a:pPr>
+            <a:r>
+              <a:rPr kumimoji="0" lang="en-US" altLang="en-US" sz="1600" b="0" i="0" u="none" strike="noStrike" cap="none" normalizeH="0" baseline="0" dirty="0">
+                <a:ln>
+                  <a:noFill/>
+                </a:ln>
+                <a:solidFill>
+                  <a:schemeClr val="tx1"/>
+                </a:solidFill>
+                <a:effectLst/>
+                <a:latin typeface="Arial" panose="020B0604020202020204" pitchFamily="34" charset="0"/>
+              </a:rPr>
+              <a:t>One census API containing data about …..</a:t>
+            </a:r>
           </a:p>
         </p:txBody>
       </p:sp>
@@ -6447,7 +7161,7 @@
           <a:p>
             <a:r>
               <a:rPr lang="en-US" dirty="0"/>
-              <a:t>Data Cleanup &amp; Exploration</a:t>
+              <a:t>Q1 Data Cleanup &amp; Exploration</a:t>
             </a:r>
           </a:p>
         </p:txBody>
@@ -6540,11 +7254,11 @@
                 <a:effectLst/>
                 <a:latin typeface="Arial" panose="020B0604020202020204" pitchFamily="34" charset="0"/>
               </a:rPr>
-              <a:t>Describe the exploration and cleanup process </a:t>
-            </a:r>
-          </a:p>
-          <a:p>
-            <a:pPr defTabSz="914400" eaLnBrk="0" fontAlgn="base" hangingPunct="0">
+              <a:t>Question 1: </a:t>
+            </a:r>
+          </a:p>
+          <a:p>
+            <a:pPr lvl="1" defTabSz="914400" eaLnBrk="0" fontAlgn="base" hangingPunct="0">
               <a:spcBef>
                 <a:spcPct val="0"/>
               </a:spcBef>
@@ -6555,7 +7269,7 @@
               <a:buSzTx/>
             </a:pPr>
             <a:r>
-              <a:rPr kumimoji="0" lang="en-US" altLang="en-US" sz="1800" b="0" i="0" u="none" strike="noStrike" cap="none" normalizeH="0" baseline="0" dirty="0">
+              <a:rPr kumimoji="0" lang="en-US" altLang="en-US" sz="1600" b="0" i="0" u="none" strike="noStrike" cap="none" normalizeH="0" baseline="0" dirty="0">
                 <a:ln>
                   <a:noFill/>
                 </a:ln>
@@ -6565,11 +7279,11 @@
                 <a:effectLst/>
                 <a:latin typeface="Arial" panose="020B0604020202020204" pitchFamily="34" charset="0"/>
               </a:rPr>
-              <a:t>Discuss insights you had while exploring the data that you didn't anticipate </a:t>
-            </a:r>
-          </a:p>
-          <a:p>
-            <a:pPr defTabSz="914400" eaLnBrk="0" fontAlgn="base" hangingPunct="0">
+              <a:t>Describe the exploration and cleanup process </a:t>
+            </a:r>
+          </a:p>
+          <a:p>
+            <a:pPr lvl="1" defTabSz="914400" eaLnBrk="0" fontAlgn="base" hangingPunct="0">
               <a:spcBef>
                 <a:spcPct val="0"/>
               </a:spcBef>
@@ -6580,7 +7294,7 @@
               <a:buSzTx/>
             </a:pPr>
             <a:r>
-              <a:rPr kumimoji="0" lang="en-US" altLang="en-US" sz="1800" b="0" i="0" u="none" strike="noStrike" cap="none" normalizeH="0" baseline="0" dirty="0">
+              <a:rPr kumimoji="0" lang="en-US" altLang="en-US" sz="1600" b="0" i="0" u="none" strike="noStrike" cap="none" normalizeH="0" baseline="0" dirty="0">
                 <a:ln>
                   <a:noFill/>
                 </a:ln>
@@ -6590,11 +7304,11 @@
                 <a:effectLst/>
                 <a:latin typeface="Arial" panose="020B0604020202020204" pitchFamily="34" charset="0"/>
               </a:rPr>
-              <a:t>Discuss any problems that arose after exploring the data, and how you resolved them </a:t>
-            </a:r>
-          </a:p>
-          <a:p>
-            <a:pPr defTabSz="914400" eaLnBrk="0" fontAlgn="base" hangingPunct="0">
+              <a:t>Discuss insights you had while exploring the data that you didn't anticipate </a:t>
+            </a:r>
+          </a:p>
+          <a:p>
+            <a:pPr lvl="1" defTabSz="914400" eaLnBrk="0" fontAlgn="base" hangingPunct="0">
               <a:spcBef>
                 <a:spcPct val="0"/>
               </a:spcBef>
@@ -6605,7 +7319,32 @@
               <a:buSzTx/>
             </a:pPr>
             <a:r>
-              <a:rPr kumimoji="0" lang="en-US" altLang="en-US" sz="1800" b="0" i="0" u="none" strike="noStrike" cap="none" normalizeH="0" baseline="0" dirty="0">
+              <a:rPr kumimoji="0" lang="en-US" altLang="en-US" sz="1600" b="0" i="0" u="none" strike="noStrike" cap="none" normalizeH="0" baseline="0" dirty="0">
+                <a:ln>
+                  <a:noFill/>
+                </a:ln>
+                <a:solidFill>
+                  <a:schemeClr val="tx1"/>
+                </a:solidFill>
+                <a:effectLst/>
+                <a:latin typeface="Arial" panose="020B0604020202020204" pitchFamily="34" charset="0"/>
+              </a:rPr>
+              <a:t>Discuss any problems that arose after exploring the data, and how you resolved them </a:t>
+            </a:r>
+          </a:p>
+          <a:p>
+            <a:pPr lvl="1" defTabSz="914400" eaLnBrk="0" fontAlgn="base" hangingPunct="0">
+              <a:spcBef>
+                <a:spcPct val="0"/>
+              </a:spcBef>
+              <a:spcAft>
+                <a:spcPct val="0"/>
+              </a:spcAft>
+              <a:buClrTx/>
+              <a:buSzTx/>
+            </a:pPr>
+            <a:r>
+              <a:rPr kumimoji="0" lang="en-US" altLang="en-US" sz="1600" b="0" i="0" u="none" strike="noStrike" cap="none" normalizeH="0" baseline="0" dirty="0">
                 <a:ln>
                   <a:noFill/>
                 </a:ln>
@@ -6618,7 +7357,7 @@
               <a:t>Present and discuss interesting figures developed during exploration, ideally with the help of </a:t>
             </a:r>
             <a:r>
-              <a:rPr kumimoji="0" lang="en-US" altLang="en-US" sz="1800" b="0" i="0" u="none" strike="noStrike" cap="none" normalizeH="0" baseline="0" dirty="0" err="1">
+              <a:rPr kumimoji="0" lang="en-US" altLang="en-US" sz="1600" b="0" i="0" u="none" strike="noStrike" cap="none" normalizeH="0" baseline="0" dirty="0" err="1">
                 <a:ln>
                   <a:noFill/>
                 </a:ln>
@@ -6631,7 +7370,7 @@
               <a:t>Jupyter</a:t>
             </a:r>
             <a:r>
-              <a:rPr kumimoji="0" lang="en-US" altLang="en-US" sz="1800" b="0" i="0" u="none" strike="noStrike" cap="none" normalizeH="0" baseline="0" dirty="0">
+              <a:rPr kumimoji="0" lang="en-US" altLang="en-US" sz="1600" b="0" i="0" u="none" strike="noStrike" cap="none" normalizeH="0" baseline="0" dirty="0">
                 <a:ln>
                   <a:noFill/>
                 </a:ln>
@@ -6699,17 +7438,17 @@
           <a:p>
             <a:r>
               <a:rPr lang="en-US" dirty="0"/>
-              <a:t>Data Analysis</a:t>
-            </a:r>
-          </a:p>
-        </p:txBody>
-      </p:sp>
-      <p:sp>
-        <p:nvSpPr>
-          <p:cNvPr id="3" name="Rectangle 1">
+              <a:t>Q2 Data Cleanup &amp; Exploration</a:t>
+            </a:r>
+          </a:p>
+        </p:txBody>
+      </p:sp>
+      <p:sp>
+        <p:nvSpPr>
+          <p:cNvPr id="5" name="Rectangle 2">
             <a:extLst>
               <a:ext uri="{FF2B5EF4-FFF2-40B4-BE49-F238E27FC236}">
-                <a16:creationId xmlns:a16="http://schemas.microsoft.com/office/drawing/2014/main" id="{B67848B2-06B3-4940-8450-1B3D4BE71E00}"/>
+                <a16:creationId xmlns:a16="http://schemas.microsoft.com/office/drawing/2014/main" id="{5413A98E-EDCA-47B2-9380-F3CE501FB19C}"/>
               </a:ext>
             </a:extLst>
           </p:cNvPr>
@@ -6722,8 +7461,8 @@
         </p:nvSpPr>
         <p:spPr bwMode="auto">
           <a:xfrm>
-            <a:off x="1103313" y="2052638"/>
-            <a:ext cx="11559575" cy="646331"/>
+            <a:off x="1103313" y="2052637"/>
+            <a:ext cx="10298112" cy="4176713"/>
           </a:xfrm>
           <a:prstGeom prst="rect">
             <a:avLst/>
@@ -6767,7 +7506,7 @@
             <a:prstTxWarp prst="textNoShape">
               <a:avLst/>
             </a:prstTxWarp>
-            <a:spAutoFit/>
+            <a:normAutofit/>
           </a:bodyPr>
           <a:lstStyle/>
           <a:p>
@@ -6792,11 +7531,11 @@
                 <a:effectLst/>
                 <a:latin typeface="Arial" panose="020B0604020202020204" pitchFamily="34" charset="0"/>
               </a:rPr>
-              <a:t>Discuss the steps you took to analyze the data and answer each question you asked in your proposal </a:t>
-            </a:r>
-          </a:p>
-          <a:p>
-            <a:pPr defTabSz="914400" eaLnBrk="0" fontAlgn="base" hangingPunct="0">
+              <a:t>Question 2: What types of restaurants do m/w review, how do they rate them.</a:t>
+            </a:r>
+          </a:p>
+          <a:p>
+            <a:pPr lvl="1" defTabSz="914400" eaLnBrk="0" fontAlgn="base" hangingPunct="0">
               <a:spcBef>
                 <a:spcPct val="0"/>
               </a:spcBef>
@@ -6806,8 +7545,30 @@
               <a:buClrTx/>
               <a:buSzTx/>
             </a:pPr>
-            <a:r>
-              <a:rPr kumimoji="0" lang="en-US" altLang="en-US" sz="1800" b="0" i="0" u="none" strike="noStrike" cap="none" normalizeH="0" baseline="0" dirty="0">
+            <a:endParaRPr kumimoji="0" lang="en-US" altLang="en-US" sz="1600" b="0" i="0" u="none" strike="noStrike" cap="none" normalizeH="0" baseline="0" dirty="0">
+              <a:ln>
+                <a:noFill/>
+              </a:ln>
+              <a:solidFill>
+                <a:schemeClr val="tx1"/>
+              </a:solidFill>
+              <a:effectLst/>
+              <a:latin typeface="Arial" panose="020B0604020202020204" pitchFamily="34" charset="0"/>
+            </a:endParaRPr>
+          </a:p>
+          <a:p>
+            <a:pPr lvl="1" defTabSz="914400" eaLnBrk="0" fontAlgn="base" hangingPunct="0">
+              <a:spcBef>
+                <a:spcPct val="0"/>
+              </a:spcBef>
+              <a:spcAft>
+                <a:spcPct val="0"/>
+              </a:spcAft>
+              <a:buClrTx/>
+              <a:buSzTx/>
+            </a:pPr>
+            <a:r>
+              <a:rPr kumimoji="0" lang="en-US" altLang="en-US" sz="1600" b="0" i="0" u="none" strike="noStrike" cap="none" normalizeH="0" baseline="0" dirty="0">
                 <a:ln>
                   <a:noFill/>
                 </a:ln>
@@ -6817,10 +7578,330 @@
                 <a:effectLst/>
                 <a:latin typeface="Arial" panose="020B0604020202020204" pitchFamily="34" charset="0"/>
               </a:rPr>
-              <a:t>Present and discuss interesting figures developed during analysis, ideally with the help of </a:t>
-            </a:r>
-            <a:r>
-              <a:rPr kumimoji="0" lang="en-US" altLang="en-US" sz="1800" b="0" i="0" u="none" strike="noStrike" cap="none" normalizeH="0" baseline="0" dirty="0" err="1">
+              <a:t>Data flow: </a:t>
+            </a:r>
+          </a:p>
+          <a:p>
+            <a:pPr lvl="2" defTabSz="914400" eaLnBrk="0" fontAlgn="base" hangingPunct="0">
+              <a:spcBef>
+                <a:spcPct val="0"/>
+              </a:spcBef>
+              <a:spcAft>
+                <a:spcPct val="0"/>
+              </a:spcAft>
+              <a:buClrTx/>
+              <a:buSzTx/>
+            </a:pPr>
+            <a:r>
+              <a:rPr kumimoji="0" lang="en-US" altLang="en-US" sz="1400" b="0" i="0" u="none" strike="noStrike" cap="none" normalizeH="0" baseline="0" dirty="0">
+                <a:ln>
+                  <a:noFill/>
+                </a:ln>
+                <a:solidFill>
+                  <a:schemeClr val="tx1"/>
+                </a:solidFill>
+                <a:effectLst/>
+                <a:latin typeface="Arial" panose="020B0604020202020204" pitchFamily="34" charset="0"/>
+              </a:rPr>
+              <a:t>get 44 St. Louis area zip codes  &gt; used excel to create .csv file incl. coordinates/zip code</a:t>
+            </a:r>
+          </a:p>
+          <a:p>
+            <a:pPr lvl="2" defTabSz="914400" eaLnBrk="0" fontAlgn="base" hangingPunct="0">
+              <a:spcBef>
+                <a:spcPct val="0"/>
+              </a:spcBef>
+              <a:spcAft>
+                <a:spcPct val="0"/>
+              </a:spcAft>
+              <a:buClrTx/>
+              <a:buSzTx/>
+            </a:pPr>
+            <a:r>
+              <a:rPr lang="en-US" altLang="en-US" sz="1400" dirty="0">
+                <a:latin typeface="Arial" panose="020B0604020202020204" pitchFamily="34" charset="0"/>
+              </a:rPr>
+              <a:t>f</a:t>
+            </a:r>
+            <a:r>
+              <a:rPr kumimoji="0" lang="en-US" altLang="en-US" sz="1400" b="0" i="0" u="none" strike="noStrike" cap="none" normalizeH="0" baseline="0" dirty="0">
+                <a:ln>
+                  <a:noFill/>
+                </a:ln>
+                <a:solidFill>
+                  <a:schemeClr val="tx1"/>
+                </a:solidFill>
+                <a:effectLst/>
+                <a:latin typeface="Arial" panose="020B0604020202020204" pitchFamily="34" charset="0"/>
+              </a:rPr>
+              <a:t>ind 20 businesses per zip code &gt; Yelp API uses radius, so duplicate businesses were removed</a:t>
+            </a:r>
+            <a:endParaRPr lang="en-US" altLang="en-US" sz="1400" dirty="0">
+              <a:latin typeface="Arial" panose="020B0604020202020204" pitchFamily="34" charset="0"/>
+            </a:endParaRPr>
+          </a:p>
+          <a:p>
+            <a:pPr lvl="2" defTabSz="914400" eaLnBrk="0" fontAlgn="base" hangingPunct="0">
+              <a:spcBef>
+                <a:spcPct val="0"/>
+              </a:spcBef>
+              <a:spcAft>
+                <a:spcPct val="0"/>
+              </a:spcAft>
+              <a:buClrTx/>
+              <a:buSzTx/>
+            </a:pPr>
+            <a:r>
+              <a:rPr lang="en-US" altLang="en-US" sz="1400" dirty="0">
+                <a:latin typeface="Arial" panose="020B0604020202020204" pitchFamily="34" charset="0"/>
+              </a:rPr>
+              <a:t>f</a:t>
+            </a:r>
+            <a:r>
+              <a:rPr kumimoji="0" lang="en-US" altLang="en-US" sz="1400" b="0" i="0" u="none" strike="noStrike" cap="none" normalizeH="0" baseline="0" dirty="0">
+                <a:ln>
+                  <a:noFill/>
+                </a:ln>
+                <a:solidFill>
+                  <a:schemeClr val="tx1"/>
+                </a:solidFill>
+                <a:effectLst/>
+                <a:latin typeface="Arial" panose="020B0604020202020204" pitchFamily="34" charset="0"/>
+              </a:rPr>
+              <a:t>ind 3 reviews per business</a:t>
+            </a:r>
+          </a:p>
+          <a:p>
+            <a:pPr lvl="2" defTabSz="914400" eaLnBrk="0" fontAlgn="base" hangingPunct="0">
+              <a:spcBef>
+                <a:spcPct val="0"/>
+              </a:spcBef>
+              <a:spcAft>
+                <a:spcPct val="0"/>
+              </a:spcAft>
+              <a:buClrTx/>
+              <a:buSzTx/>
+            </a:pPr>
+            <a:r>
+              <a:rPr kumimoji="0" lang="en-US" altLang="en-US" sz="1400" b="0" i="0" u="none" strike="noStrike" cap="none" normalizeH="0" baseline="0" dirty="0">
+                <a:ln>
+                  <a:noFill/>
+                </a:ln>
+                <a:solidFill>
+                  <a:schemeClr val="tx1"/>
+                </a:solidFill>
+                <a:effectLst/>
+                <a:latin typeface="Arial" panose="020B0604020202020204" pitchFamily="34" charset="0"/>
+              </a:rPr>
+              <a:t>link gender to each revie</a:t>
+            </a:r>
+            <a:r>
+              <a:rPr lang="en-US" altLang="en-US" sz="1400" dirty="0">
+                <a:latin typeface="Arial" panose="020B0604020202020204" pitchFamily="34" charset="0"/>
+              </a:rPr>
+              <a:t>w &gt; review names converted to first name only. If not in gender file &gt; discard. If not male/female &gt; discard</a:t>
+            </a:r>
+            <a:endParaRPr kumimoji="0" lang="en-US" altLang="en-US" sz="1400" b="0" i="0" u="none" strike="noStrike" cap="none" normalizeH="0" baseline="0" dirty="0">
+              <a:ln>
+                <a:noFill/>
+              </a:ln>
+              <a:solidFill>
+                <a:schemeClr val="tx1"/>
+              </a:solidFill>
+              <a:effectLst/>
+              <a:latin typeface="Arial" panose="020B0604020202020204" pitchFamily="34" charset="0"/>
+            </a:endParaRPr>
+          </a:p>
+          <a:p>
+            <a:pPr lvl="1" defTabSz="914400" eaLnBrk="0" fontAlgn="base" hangingPunct="0">
+              <a:spcBef>
+                <a:spcPct val="0"/>
+              </a:spcBef>
+              <a:spcAft>
+                <a:spcPct val="0"/>
+              </a:spcAft>
+              <a:buClrTx/>
+              <a:buSzTx/>
+            </a:pPr>
+            <a:endParaRPr kumimoji="0" lang="en-US" altLang="en-US" sz="1600" b="0" i="0" u="none" strike="noStrike" cap="none" normalizeH="0" baseline="0" dirty="0">
+              <a:ln>
+                <a:noFill/>
+              </a:ln>
+              <a:solidFill>
+                <a:schemeClr val="tx1"/>
+              </a:solidFill>
+              <a:effectLst/>
+              <a:latin typeface="Arial" panose="020B0604020202020204" pitchFamily="34" charset="0"/>
+            </a:endParaRPr>
+          </a:p>
+          <a:p>
+            <a:pPr lvl="1" defTabSz="914400" eaLnBrk="0" fontAlgn="base" hangingPunct="0">
+              <a:spcBef>
+                <a:spcPct val="0"/>
+              </a:spcBef>
+              <a:spcAft>
+                <a:spcPct val="0"/>
+              </a:spcAft>
+              <a:buClrTx/>
+              <a:buSzTx/>
+            </a:pPr>
+            <a:r>
+              <a:rPr kumimoji="0" lang="en-US" altLang="en-US" sz="1600" b="0" i="0" u="none" strike="noStrike" cap="none" normalizeH="0" baseline="0" dirty="0">
+                <a:ln>
+                  <a:noFill/>
+                </a:ln>
+                <a:solidFill>
+                  <a:schemeClr val="tx1"/>
+                </a:solidFill>
+                <a:effectLst/>
+                <a:latin typeface="Arial" panose="020B0604020202020204" pitchFamily="34" charset="0"/>
+              </a:rPr>
+              <a:t>When trying to link the Question 1 data businesses to the Yelp API, </a:t>
+            </a:r>
+            <a:r>
+              <a:rPr kumimoji="0" lang="en-US" altLang="en-US" sz="1600" b="0" i="0" u="none" strike="noStrike" cap="none" normalizeH="0" baseline="0" dirty="0" err="1">
+                <a:ln>
+                  <a:noFill/>
+                </a:ln>
+                <a:solidFill>
+                  <a:schemeClr val="tx1"/>
+                </a:solidFill>
+                <a:effectLst/>
+                <a:latin typeface="Arial" panose="020B0604020202020204" pitchFamily="34" charset="0"/>
+              </a:rPr>
+              <a:t>business_id’s</a:t>
+            </a:r>
+            <a:r>
+              <a:rPr kumimoji="0" lang="en-US" altLang="en-US" sz="1600" b="0" i="0" u="none" strike="noStrike" cap="none" normalizeH="0" baseline="0" dirty="0">
+                <a:ln>
+                  <a:noFill/>
+                </a:ln>
+                <a:solidFill>
+                  <a:schemeClr val="tx1"/>
+                </a:solidFill>
+                <a:effectLst/>
+                <a:latin typeface="Arial" panose="020B0604020202020204" pitchFamily="34" charset="0"/>
+              </a:rPr>
+              <a:t> had all changed. </a:t>
+            </a:r>
+          </a:p>
+          <a:p>
+            <a:pPr lvl="2" defTabSz="914400" eaLnBrk="0" fontAlgn="base" hangingPunct="0">
+              <a:spcBef>
+                <a:spcPct val="0"/>
+              </a:spcBef>
+              <a:spcAft>
+                <a:spcPct val="0"/>
+              </a:spcAft>
+              <a:buClrTx/>
+              <a:buSzTx/>
+            </a:pPr>
+            <a:r>
+              <a:rPr kumimoji="0" lang="en-US" altLang="en-US" sz="1400" b="0" i="0" u="none" strike="noStrike" cap="none" normalizeH="0" baseline="0" dirty="0">
+                <a:ln>
+                  <a:noFill/>
+                </a:ln>
+                <a:solidFill>
+                  <a:schemeClr val="tx1"/>
+                </a:solidFill>
+                <a:effectLst/>
+                <a:latin typeface="Arial" panose="020B0604020202020204" pitchFamily="34" charset="0"/>
+              </a:rPr>
+              <a:t>Possibly due to V2 vs V3 API versions. </a:t>
+            </a:r>
+            <a:r>
+              <a:rPr lang="en-US" altLang="en-US" sz="1400" dirty="0">
+                <a:latin typeface="Arial" panose="020B0604020202020204" pitchFamily="34" charset="0"/>
+              </a:rPr>
+              <a:t>So a deeper dive with more current data wasn’t possible. Hence direct use of (current) API’s were necessary. </a:t>
+            </a:r>
+            <a:r>
+              <a:rPr kumimoji="0" lang="en-US" altLang="en-US" b="0" i="0" u="none" strike="noStrike" cap="none" normalizeH="0" baseline="0" dirty="0">
+                <a:ln>
+                  <a:noFill/>
+                </a:ln>
+                <a:solidFill>
+                  <a:schemeClr val="tx1"/>
+                </a:solidFill>
+                <a:effectLst/>
+                <a:latin typeface="Arial" panose="020B0604020202020204" pitchFamily="34" charset="0"/>
+              </a:rPr>
+              <a:t> </a:t>
+            </a:r>
+          </a:p>
+          <a:p>
+            <a:pPr lvl="2" defTabSz="914400" eaLnBrk="0" fontAlgn="base" hangingPunct="0">
+              <a:spcBef>
+                <a:spcPct val="0"/>
+              </a:spcBef>
+              <a:spcAft>
+                <a:spcPct val="0"/>
+              </a:spcAft>
+              <a:buClrTx/>
+              <a:buSzTx/>
+            </a:pPr>
+            <a:r>
+              <a:rPr kumimoji="0" lang="en-US" altLang="en-US" sz="1500" b="0" i="0" u="none" strike="noStrike" cap="none" normalizeH="0" baseline="0" dirty="0">
+                <a:ln>
+                  <a:noFill/>
+                </a:ln>
+                <a:solidFill>
+                  <a:schemeClr val="tx1"/>
+                </a:solidFill>
+                <a:effectLst/>
+                <a:latin typeface="Arial" panose="020B0604020202020204" pitchFamily="34" charset="0"/>
+              </a:rPr>
+              <a:t>The business rating of $, $$, $$$ and $$$$ caused problems when being handles as index figures as well as labels in charts</a:t>
+            </a:r>
+          </a:p>
+          <a:p>
+            <a:pPr lvl="1" defTabSz="914400" eaLnBrk="0" fontAlgn="base" hangingPunct="0">
+              <a:spcBef>
+                <a:spcPct val="0"/>
+              </a:spcBef>
+              <a:spcAft>
+                <a:spcPct val="0"/>
+              </a:spcAft>
+              <a:buClrTx/>
+              <a:buSzTx/>
+            </a:pPr>
+            <a:endParaRPr kumimoji="0" lang="en-US" altLang="en-US" sz="1600" b="0" i="0" u="none" strike="noStrike" cap="none" normalizeH="0" baseline="0" dirty="0">
+              <a:ln>
+                <a:noFill/>
+              </a:ln>
+              <a:solidFill>
+                <a:schemeClr val="tx1"/>
+              </a:solidFill>
+              <a:effectLst/>
+              <a:latin typeface="Arial" panose="020B0604020202020204" pitchFamily="34" charset="0"/>
+            </a:endParaRPr>
+          </a:p>
+          <a:p>
+            <a:pPr lvl="1" defTabSz="914400" eaLnBrk="0" fontAlgn="base" hangingPunct="0">
+              <a:spcBef>
+                <a:spcPct val="0"/>
+              </a:spcBef>
+              <a:spcAft>
+                <a:spcPct val="0"/>
+              </a:spcAft>
+              <a:buClrTx/>
+              <a:buSzTx/>
+            </a:pPr>
+            <a:r>
+              <a:rPr kumimoji="0" lang="en-US" altLang="en-US" sz="1600" b="0" i="0" u="none" strike="noStrike" cap="none" normalizeH="0" baseline="0" dirty="0">
+                <a:ln>
+                  <a:noFill/>
+                </a:ln>
+                <a:solidFill>
+                  <a:schemeClr val="tx1"/>
+                </a:solidFill>
+                <a:effectLst/>
+                <a:latin typeface="Arial" panose="020B0604020202020204" pitchFamily="34" charset="0"/>
+              </a:rPr>
+              <a:t>Present and discuss interesting figures developed during exploration, ideally with the help of </a:t>
+            </a:r>
+            <a:r>
+              <a:rPr kumimoji="0" lang="en-US" altLang="en-US" sz="1600" b="0" i="0" u="none" strike="noStrike" cap="none" normalizeH="0" baseline="0" dirty="0" err="1">
                 <a:ln>
                   <a:noFill/>
                 </a:ln>
@@ -6833,7 +7914,7 @@
               <a:t>Jupyter</a:t>
             </a:r>
             <a:r>
-              <a:rPr kumimoji="0" lang="en-US" altLang="en-US" sz="1800" b="0" i="0" u="none" strike="noStrike" cap="none" normalizeH="0" baseline="0" dirty="0">
+              <a:rPr kumimoji="0" lang="en-US" altLang="en-US" sz="1600" b="0" i="0" u="none" strike="noStrike" cap="none" normalizeH="0" baseline="0" dirty="0">
                 <a:ln>
                   <a:noFill/>
                 </a:ln>
@@ -6851,7 +7932,7 @@
     </p:spTree>
     <p:extLst>
       <p:ext uri="{BB962C8B-B14F-4D97-AF65-F5344CB8AC3E}">
-        <p14:creationId xmlns:p14="http://schemas.microsoft.com/office/powerpoint/2010/main" val="2828544509"/>
+        <p14:creationId xmlns:p14="http://schemas.microsoft.com/office/powerpoint/2010/main" val="3673680887"/>
       </p:ext>
     </p:extLst>
   </p:cSld>
@@ -6883,7 +7964,7 @@
           <p:cNvPr id="2" name="Title 1">
             <a:extLst>
               <a:ext uri="{FF2B5EF4-FFF2-40B4-BE49-F238E27FC236}">
-                <a16:creationId xmlns:a16="http://schemas.microsoft.com/office/drawing/2014/main" id="{AD00C28F-E20E-4A25-8473-D97D85D93C5F}"/>
+                <a16:creationId xmlns:a16="http://schemas.microsoft.com/office/drawing/2014/main" id="{A07B390D-7BDA-48E3-BC94-B363D7F78F75}"/>
               </a:ext>
             </a:extLst>
           </p:cNvPr>
@@ -6901,109 +7982,73 @@
           <a:p>
             <a:r>
               <a:rPr lang="en-US" dirty="0"/>
-              <a:t>Discussion</a:t>
-            </a:r>
-          </a:p>
-        </p:txBody>
-      </p:sp>
-      <p:sp>
-        <p:nvSpPr>
-          <p:cNvPr id="3" name="Rectangle 1">
+              <a:t>Q2 Results</a:t>
+            </a:r>
+          </a:p>
+        </p:txBody>
+      </p:sp>
+      <p:pic>
+        <p:nvPicPr>
+          <p:cNvPr id="6" name="Content Placeholder 5" descr="A close up of a logo&#10;&#10;Description automatically generated">
             <a:extLst>
               <a:ext uri="{FF2B5EF4-FFF2-40B4-BE49-F238E27FC236}">
-                <a16:creationId xmlns:a16="http://schemas.microsoft.com/office/drawing/2014/main" id="{B67848B2-06B3-4940-8450-1B3D4BE71E00}"/>
+                <a16:creationId xmlns:a16="http://schemas.microsoft.com/office/drawing/2014/main" id="{0E6D4652-16DC-4C78-852D-3C6D7750C346}"/>
               </a:ext>
             </a:extLst>
           </p:cNvPr>
-          <p:cNvSpPr>
-            <a:spLocks noGrp="1" noChangeArrowheads="1"/>
-          </p:cNvSpPr>
-          <p:nvPr>
-            <p:ph idx="1"/>
-          </p:nvPr>
-        </p:nvSpPr>
-        <p:spPr bwMode="auto">
+          <p:cNvPicPr>
+            <a:picLocks noGrp="1" noChangeAspect="1"/>
+          </p:cNvPicPr>
+          <p:nvPr>
+            <p:ph sz="half" idx="1"/>
+          </p:nvPr>
+        </p:nvPicPr>
+        <p:blipFill>
+          <a:blip r:embed="rId2"/>
+          <a:stretch>
+            <a:fillRect/>
+          </a:stretch>
+        </p:blipFill>
+        <p:spPr>
           <a:xfrm>
-            <a:off x="1103313" y="2052637"/>
-            <a:ext cx="9860251" cy="646331"/>
+            <a:off x="1103313" y="2510036"/>
+            <a:ext cx="4395787" cy="3296840"/>
           </a:xfrm>
-          <a:prstGeom prst="rect">
-            <a:avLst/>
-          </a:prstGeom>
-          <a:noFill/>
-          <a:ln>
-            <a:noFill/>
-          </a:ln>
-          <a:effectLst/>
-          <a:extLst>
-            <a:ext uri="{909E8E84-426E-40DD-AFC4-6F175D3DCCD1}">
-              <a14:hiddenFill xmlns:a14="http://schemas.microsoft.com/office/drawing/2010/main">
-                <a:solidFill>
-                  <a:schemeClr val="accent1"/>
-                </a:solidFill>
-              </a14:hiddenFill>
-            </a:ext>
-            <a:ext uri="{91240B29-F687-4F45-9708-019B960494DF}">
-              <a14:hiddenLine xmlns:a14="http://schemas.microsoft.com/office/drawing/2010/main" w="9525">
-                <a:solidFill>
-                  <a:schemeClr val="tx1"/>
-                </a:solidFill>
-                <a:miter lim="800000"/>
-                <a:headEnd/>
-                <a:tailEnd/>
-              </a14:hiddenLine>
-            </a:ext>
-            <a:ext uri="{AF507438-7753-43E0-B8FC-AC1667EBCBE1}">
-              <a14:hiddenEffects xmlns:a14="http://schemas.microsoft.com/office/drawing/2010/main">
-                <a:effectLst>
-                  <a:outerShdw dist="35921" dir="2700000" algn="ctr" rotWithShape="0">
-                    <a:schemeClr val="bg2"/>
-                  </a:outerShdw>
-                </a:effectLst>
-              </a14:hiddenEffects>
-            </a:ext>
-          </a:extLst>
         </p:spPr>
-        <p:txBody>
-          <a:bodyPr vert="horz" wrap="square" lIns="91440" tIns="45720" rIns="91440" bIns="45720" numCol="1" anchor="t" anchorCtr="0" compatLnSpc="1">
-            <a:prstTxWarp prst="textNoShape">
-              <a:avLst/>
-            </a:prstTxWarp>
-            <a:spAutoFit/>
-          </a:bodyPr>
-          <a:lstStyle/>
-          <a:p>
-            <a:pPr defTabSz="914400" eaLnBrk="0" fontAlgn="base" hangingPunct="0">
-              <a:spcBef>
-                <a:spcPct val="0"/>
-              </a:spcBef>
-              <a:spcAft>
-                <a:spcPct val="0"/>
-              </a:spcAft>
-              <a:buClrTx/>
-              <a:buSzTx/>
-            </a:pPr>
-            <a:r>
-              <a:rPr lang="en-US" sz="1800" dirty="0"/>
-              <a:t>Discuss your findings. Did you find what you expected to find? If not, why not? What inferences or general conclusions can you draw from your analysis?</a:t>
-            </a:r>
-            <a:endParaRPr kumimoji="0" lang="en-US" altLang="en-US" sz="1800" b="0" i="0" u="none" strike="noStrike" cap="none" normalizeH="0" baseline="0" dirty="0">
-              <a:ln>
-                <a:noFill/>
-              </a:ln>
-              <a:solidFill>
-                <a:schemeClr val="tx1"/>
-              </a:solidFill>
-              <a:effectLst/>
-              <a:latin typeface="Arial" panose="020B0604020202020204" pitchFamily="34" charset="0"/>
-            </a:endParaRPr>
-          </a:p>
-        </p:txBody>
-      </p:sp>
+      </p:pic>
+      <p:pic>
+        <p:nvPicPr>
+          <p:cNvPr id="8" name="Content Placeholder 7" descr="A close up of a logo&#10;&#10;Description automatically generated">
+            <a:extLst>
+              <a:ext uri="{FF2B5EF4-FFF2-40B4-BE49-F238E27FC236}">
+                <a16:creationId xmlns:a16="http://schemas.microsoft.com/office/drawing/2014/main" id="{C50B6F55-8F06-4F5B-BF32-E98A711167F4}"/>
+              </a:ext>
+            </a:extLst>
+          </p:cNvPr>
+          <p:cNvPicPr>
+            <a:picLocks noGrp="1" noChangeAspect="1"/>
+          </p:cNvPicPr>
+          <p:nvPr>
+            <p:ph sz="half" idx="2"/>
+          </p:nvPr>
+        </p:nvPicPr>
+        <p:blipFill>
+          <a:blip r:embed="rId3"/>
+          <a:stretch>
+            <a:fillRect/>
+          </a:stretch>
+        </p:blipFill>
+        <p:spPr>
+          <a:xfrm>
+            <a:off x="5654675" y="2507655"/>
+            <a:ext cx="4395788" cy="3296841"/>
+          </a:xfrm>
+        </p:spPr>
+      </p:pic>
     </p:spTree>
     <p:extLst>
       <p:ext uri="{BB962C8B-B14F-4D97-AF65-F5344CB8AC3E}">
-        <p14:creationId xmlns:p14="http://schemas.microsoft.com/office/powerpoint/2010/main" val="1786579290"/>
+        <p14:creationId xmlns:p14="http://schemas.microsoft.com/office/powerpoint/2010/main" val="2385879911"/>
       </p:ext>
     </p:extLst>
   </p:cSld>
@@ -7035,7 +8080,7 @@
           <p:cNvPr id="2" name="Title 1">
             <a:extLst>
               <a:ext uri="{FF2B5EF4-FFF2-40B4-BE49-F238E27FC236}">
-                <a16:creationId xmlns:a16="http://schemas.microsoft.com/office/drawing/2014/main" id="{AD00C28F-E20E-4A25-8473-D97D85D93C5F}"/>
+                <a16:creationId xmlns:a16="http://schemas.microsoft.com/office/drawing/2014/main" id="{87D367D1-DCC8-475C-83A1-BEF059FB361B}"/>
               </a:ext>
             </a:extLst>
           </p:cNvPr>
@@ -7053,158 +8098,48 @@
           <a:p>
             <a:r>
               <a:rPr lang="en-US" dirty="0"/>
-              <a:t>Post Mortem</a:t>
-            </a:r>
-          </a:p>
-        </p:txBody>
-      </p:sp>
-      <p:sp>
-        <p:nvSpPr>
-          <p:cNvPr id="5" name="Rectangle 2">
+              <a:t>Q2 Results </a:t>
+            </a:r>
+            <a:r>
+              <a:rPr lang="en-US" sz="2000" dirty="0"/>
+              <a:t>(338 reviews each)</a:t>
+            </a:r>
+          </a:p>
+        </p:txBody>
+      </p:sp>
+      <p:pic>
+        <p:nvPicPr>
+          <p:cNvPr id="8" name="Content Placeholder 7" descr="A screenshot of a cell phone&#10;&#10;Description automatically generated">
             <a:extLst>
               <a:ext uri="{FF2B5EF4-FFF2-40B4-BE49-F238E27FC236}">
-                <a16:creationId xmlns:a16="http://schemas.microsoft.com/office/drawing/2014/main" id="{F47D4FC3-080D-4722-BD16-79623144B4F3}"/>
+                <a16:creationId xmlns:a16="http://schemas.microsoft.com/office/drawing/2014/main" id="{EA8873F9-0D88-461E-809D-48977648A5BC}"/>
               </a:ext>
             </a:extLst>
           </p:cNvPr>
-          <p:cNvSpPr>
-            <a:spLocks noGrp="1" noChangeArrowheads="1"/>
-          </p:cNvSpPr>
-          <p:nvPr>
-            <p:ph idx="1"/>
-          </p:nvPr>
-        </p:nvSpPr>
-        <p:spPr bwMode="auto">
+          <p:cNvPicPr>
+            <a:picLocks noGrp="1" noChangeAspect="1"/>
+          </p:cNvPicPr>
+          <p:nvPr>
+            <p:ph sz="half" idx="2"/>
+          </p:nvPr>
+        </p:nvPicPr>
+        <p:blipFill>
+          <a:blip r:embed="rId2"/>
+          <a:stretch>
+            <a:fillRect/>
+          </a:stretch>
+        </p:blipFill>
+        <p:spPr>
           <a:xfrm>
-            <a:off x="1103313" y="1775916"/>
-            <a:ext cx="9679253" cy="923330"/>
+            <a:off x="2355262" y="1481445"/>
+            <a:ext cx="5986419" cy="4489814"/>
           </a:xfrm>
-          <a:prstGeom prst="rect">
-            <a:avLst/>
-          </a:prstGeom>
-          <a:noFill/>
-          <a:ln>
-            <a:noFill/>
-          </a:ln>
-          <a:effectLst/>
-          <a:extLst>
-            <a:ext uri="{909E8E84-426E-40DD-AFC4-6F175D3DCCD1}">
-              <a14:hiddenFill xmlns:a14="http://schemas.microsoft.com/office/drawing/2010/main">
-                <a:solidFill>
-                  <a:schemeClr val="accent1"/>
-                </a:solidFill>
-              </a14:hiddenFill>
-            </a:ext>
-            <a:ext uri="{91240B29-F687-4F45-9708-019B960494DF}">
-              <a14:hiddenLine xmlns:a14="http://schemas.microsoft.com/office/drawing/2010/main" w="9525">
-                <a:solidFill>
-                  <a:schemeClr val="tx1"/>
-                </a:solidFill>
-                <a:miter lim="800000"/>
-                <a:headEnd/>
-                <a:tailEnd/>
-              </a14:hiddenLine>
-            </a:ext>
-            <a:ext uri="{AF507438-7753-43E0-B8FC-AC1667EBCBE1}">
-              <a14:hiddenEffects xmlns:a14="http://schemas.microsoft.com/office/drawing/2010/main">
-                <a:effectLst>
-                  <a:outerShdw dist="35921" dir="2700000" algn="ctr" rotWithShape="0">
-                    <a:schemeClr val="bg2"/>
-                  </a:outerShdw>
-                </a:effectLst>
-              </a14:hiddenEffects>
-            </a:ext>
-          </a:extLst>
         </p:spPr>
-        <p:txBody>
-          <a:bodyPr vert="horz" wrap="none" lIns="91440" tIns="45720" rIns="91440" bIns="45720" numCol="1" anchor="ctr" anchorCtr="0" compatLnSpc="1">
-            <a:prstTxWarp prst="textNoShape">
-              <a:avLst/>
-            </a:prstTxWarp>
-            <a:spAutoFit/>
-          </a:bodyPr>
-          <a:lstStyle/>
-          <a:p>
-            <a:pPr defTabSz="914400" eaLnBrk="0" fontAlgn="base" hangingPunct="0">
-              <a:spcBef>
-                <a:spcPct val="0"/>
-              </a:spcBef>
-              <a:spcAft>
-                <a:spcPct val="0"/>
-              </a:spcAft>
-              <a:buClrTx/>
-              <a:buSzTx/>
-            </a:pPr>
-            <a:r>
-              <a:rPr kumimoji="0" lang="en-US" altLang="en-US" sz="1800" b="0" i="0" u="none" strike="noStrike" cap="none" normalizeH="0" baseline="0" dirty="0">
-                <a:ln>
-                  <a:noFill/>
-                </a:ln>
-                <a:solidFill>
-                  <a:schemeClr val="tx1"/>
-                </a:solidFill>
-                <a:effectLst/>
-                <a:latin typeface="Arial" panose="020B0604020202020204" pitchFamily="34" charset="0"/>
-              </a:rPr>
-              <a:t>Discuss any difficulties that arose, and how you dealt with them </a:t>
-            </a:r>
-          </a:p>
-          <a:p>
-            <a:pPr defTabSz="914400" eaLnBrk="0" fontAlgn="base" hangingPunct="0">
-              <a:spcBef>
-                <a:spcPct val="0"/>
-              </a:spcBef>
-              <a:spcAft>
-                <a:spcPct val="0"/>
-              </a:spcAft>
-              <a:buClrTx/>
-              <a:buSzTx/>
-            </a:pPr>
-            <a:r>
-              <a:rPr kumimoji="0" lang="en-US" altLang="en-US" sz="1800" b="0" i="0" u="none" strike="noStrike" cap="none" normalizeH="0" baseline="0" dirty="0">
-                <a:ln>
-                  <a:noFill/>
-                </a:ln>
-                <a:solidFill>
-                  <a:schemeClr val="tx1"/>
-                </a:solidFill>
-                <a:effectLst/>
-                <a:latin typeface="Arial" panose="020B0604020202020204" pitchFamily="34" charset="0"/>
-              </a:rPr>
-              <a:t>Discuss any additional questions that came up, but which you didn't have time to answer: </a:t>
-            </a:r>
-          </a:p>
-          <a:p>
-            <a:pPr defTabSz="914400" eaLnBrk="0" fontAlgn="base" hangingPunct="0">
-              <a:spcBef>
-                <a:spcPct val="0"/>
-              </a:spcBef>
-              <a:spcAft>
-                <a:spcPct val="0"/>
-              </a:spcAft>
-              <a:buClrTx/>
-              <a:buSzTx/>
-            </a:pPr>
-            <a:r>
-              <a:rPr kumimoji="0" lang="en-US" altLang="en-US" sz="1800" b="0" i="0" u="none" strike="noStrike" cap="none" normalizeH="0" baseline="0" dirty="0">
-                <a:ln>
-                  <a:noFill/>
-                </a:ln>
-                <a:solidFill>
-                  <a:schemeClr val="tx1"/>
-                </a:solidFill>
-                <a:effectLst/>
-                <a:latin typeface="Arial" panose="020B0604020202020204" pitchFamily="34" charset="0"/>
-              </a:rPr>
-              <a:t>What would you research next, if you had two more weeks? </a:t>
-            </a:r>
-          </a:p>
-        </p:txBody>
-      </p:sp>
+      </p:pic>
     </p:spTree>
     <p:extLst>
       <p:ext uri="{BB962C8B-B14F-4D97-AF65-F5344CB8AC3E}">
-        <p14:creationId xmlns:p14="http://schemas.microsoft.com/office/powerpoint/2010/main" val="1096187092"/>
+        <p14:creationId xmlns:p14="http://schemas.microsoft.com/office/powerpoint/2010/main" val="2181141100"/>
       </p:ext>
     </p:extLst>
   </p:cSld>
@@ -7254,17 +8189,17 @@
           <a:p>
             <a:r>
               <a:rPr lang="en-US" dirty="0"/>
-              <a:t>Questions</a:t>
-            </a:r>
-          </a:p>
-        </p:txBody>
-      </p:sp>
-      <p:sp>
-        <p:nvSpPr>
-          <p:cNvPr id="3" name="Rectangle 1">
+              <a:t>Q3 Data Cleanup &amp; Exploration</a:t>
+            </a:r>
+          </a:p>
+        </p:txBody>
+      </p:sp>
+      <p:sp>
+        <p:nvSpPr>
+          <p:cNvPr id="5" name="Rectangle 2">
             <a:extLst>
               <a:ext uri="{FF2B5EF4-FFF2-40B4-BE49-F238E27FC236}">
-                <a16:creationId xmlns:a16="http://schemas.microsoft.com/office/drawing/2014/main" id="{B67848B2-06B3-4940-8450-1B3D4BE71E00}"/>
+                <a16:creationId xmlns:a16="http://schemas.microsoft.com/office/drawing/2014/main" id="{5413A98E-EDCA-47B2-9380-F3CE501FB19C}"/>
               </a:ext>
             </a:extLst>
           </p:cNvPr>
@@ -7277,8 +8212,8 @@
         </p:nvSpPr>
         <p:spPr bwMode="auto">
           <a:xfrm>
-            <a:off x="1103313" y="2052637"/>
-            <a:ext cx="9860251" cy="369332"/>
+            <a:off x="1103313" y="2052638"/>
+            <a:ext cx="8766175" cy="2519362"/>
           </a:xfrm>
           <a:prstGeom prst="rect">
             <a:avLst/>
@@ -7318,11 +8253,11 @@
           </a:extLst>
         </p:spPr>
         <p:txBody>
-          <a:bodyPr vert="horz" wrap="square" lIns="91440" tIns="45720" rIns="91440" bIns="45720" numCol="1" anchor="t" anchorCtr="0" compatLnSpc="1">
+          <a:bodyPr vert="horz" wrap="none" lIns="91440" tIns="45720" rIns="91440" bIns="45720" numCol="1" anchor="t" anchorCtr="0" compatLnSpc="1">
             <a:prstTxWarp prst="textNoShape">
               <a:avLst/>
             </a:prstTxWarp>
-            <a:spAutoFit/>
+            <a:normAutofit/>
           </a:bodyPr>
           <a:lstStyle/>
           <a:p>
@@ -7337,26 +8272,353 @@
               <a:buSzTx/>
             </a:pPr>
             <a:r>
-              <a:rPr lang="en-US" sz="1800" dirty="0"/>
-              <a:t>Open-floor Q&amp;A with the audience</a:t>
-            </a:r>
-            <a:endParaRPr kumimoji="0" lang="en-US" altLang="en-US" sz="1800" b="0" i="0" u="none" strike="noStrike" cap="none" normalizeH="0" baseline="0" dirty="0">
-              <a:ln>
-                <a:noFill/>
-              </a:ln>
-              <a:solidFill>
-                <a:schemeClr val="tx1"/>
-              </a:solidFill>
-              <a:effectLst/>
-              <a:latin typeface="Arial" panose="020B0604020202020204" pitchFamily="34" charset="0"/>
-            </a:endParaRPr>
+              <a:rPr kumimoji="0" lang="en-US" altLang="en-US" sz="1800" b="0" i="0" u="none" strike="noStrike" cap="none" normalizeH="0" baseline="0" dirty="0">
+                <a:ln>
+                  <a:noFill/>
+                </a:ln>
+                <a:solidFill>
+                  <a:schemeClr val="tx1"/>
+                </a:solidFill>
+                <a:effectLst/>
+                <a:latin typeface="Arial" panose="020B0604020202020204" pitchFamily="34" charset="0"/>
+              </a:rPr>
+              <a:t>Question 3: </a:t>
+            </a:r>
+          </a:p>
+          <a:p>
+            <a:pPr lvl="1" defTabSz="914400" eaLnBrk="0" fontAlgn="base" hangingPunct="0">
+              <a:spcBef>
+                <a:spcPct val="0"/>
+              </a:spcBef>
+              <a:spcAft>
+                <a:spcPct val="0"/>
+              </a:spcAft>
+              <a:buClrTx/>
+              <a:buSzTx/>
+            </a:pPr>
+            <a:r>
+              <a:rPr kumimoji="0" lang="en-US" altLang="en-US" sz="1600" b="0" i="0" u="none" strike="noStrike" cap="none" normalizeH="0" baseline="0" dirty="0">
+                <a:ln>
+                  <a:noFill/>
+                </a:ln>
+                <a:solidFill>
+                  <a:schemeClr val="tx1"/>
+                </a:solidFill>
+                <a:effectLst/>
+                <a:latin typeface="Arial" panose="020B0604020202020204" pitchFamily="34" charset="0"/>
+              </a:rPr>
+              <a:t>Describe the exploration and cleanup process </a:t>
+            </a:r>
+          </a:p>
+          <a:p>
+            <a:pPr lvl="1" defTabSz="914400" eaLnBrk="0" fontAlgn="base" hangingPunct="0">
+              <a:spcBef>
+                <a:spcPct val="0"/>
+              </a:spcBef>
+              <a:spcAft>
+                <a:spcPct val="0"/>
+              </a:spcAft>
+              <a:buClrTx/>
+              <a:buSzTx/>
+            </a:pPr>
+            <a:r>
+              <a:rPr kumimoji="0" lang="en-US" altLang="en-US" sz="1600" b="0" i="0" u="none" strike="noStrike" cap="none" normalizeH="0" baseline="0" dirty="0">
+                <a:ln>
+                  <a:noFill/>
+                </a:ln>
+                <a:solidFill>
+                  <a:schemeClr val="tx1"/>
+                </a:solidFill>
+                <a:effectLst/>
+                <a:latin typeface="Arial" panose="020B0604020202020204" pitchFamily="34" charset="0"/>
+              </a:rPr>
+              <a:t>Discuss insights you had while exploring the data that you didn't anticipate </a:t>
+            </a:r>
+          </a:p>
+          <a:p>
+            <a:pPr lvl="1" defTabSz="914400" eaLnBrk="0" fontAlgn="base" hangingPunct="0">
+              <a:spcBef>
+                <a:spcPct val="0"/>
+              </a:spcBef>
+              <a:spcAft>
+                <a:spcPct val="0"/>
+              </a:spcAft>
+              <a:buClrTx/>
+              <a:buSzTx/>
+            </a:pPr>
+            <a:r>
+              <a:rPr kumimoji="0" lang="en-US" altLang="en-US" sz="1600" b="0" i="0" u="none" strike="noStrike" cap="none" normalizeH="0" baseline="0" dirty="0">
+                <a:ln>
+                  <a:noFill/>
+                </a:ln>
+                <a:solidFill>
+                  <a:schemeClr val="tx1"/>
+                </a:solidFill>
+                <a:effectLst/>
+                <a:latin typeface="Arial" panose="020B0604020202020204" pitchFamily="34" charset="0"/>
+              </a:rPr>
+              <a:t>Discuss any problems that arose after exploring the data, and how you resolved them </a:t>
+            </a:r>
+          </a:p>
+          <a:p>
+            <a:pPr lvl="1" defTabSz="914400" eaLnBrk="0" fontAlgn="base" hangingPunct="0">
+              <a:spcBef>
+                <a:spcPct val="0"/>
+              </a:spcBef>
+              <a:spcAft>
+                <a:spcPct val="0"/>
+              </a:spcAft>
+              <a:buClrTx/>
+              <a:buSzTx/>
+            </a:pPr>
+            <a:r>
+              <a:rPr kumimoji="0" lang="en-US" altLang="en-US" sz="1600" b="0" i="0" u="none" strike="noStrike" cap="none" normalizeH="0" baseline="0" dirty="0">
+                <a:ln>
+                  <a:noFill/>
+                </a:ln>
+                <a:solidFill>
+                  <a:schemeClr val="tx1"/>
+                </a:solidFill>
+                <a:effectLst/>
+                <a:latin typeface="Arial" panose="020B0604020202020204" pitchFamily="34" charset="0"/>
+              </a:rPr>
+              <a:t>Present and discuss interesting figures developed during exploration, ideally with the help of </a:t>
+            </a:r>
+            <a:r>
+              <a:rPr kumimoji="0" lang="en-US" altLang="en-US" sz="1600" b="0" i="0" u="none" strike="noStrike" cap="none" normalizeH="0" baseline="0" dirty="0" err="1">
+                <a:ln>
+                  <a:noFill/>
+                </a:ln>
+                <a:solidFill>
+                  <a:schemeClr val="tx1"/>
+                </a:solidFill>
+                <a:effectLst/>
+                <a:latin typeface="Arial" panose="020B0604020202020204" pitchFamily="34" charset="0"/>
+              </a:rPr>
+              <a:t>Jupyter</a:t>
+            </a:r>
+            <a:r>
+              <a:rPr kumimoji="0" lang="en-US" altLang="en-US" sz="1600" b="0" i="0" u="none" strike="noStrike" cap="none" normalizeH="0" baseline="0" dirty="0">
+                <a:ln>
+                  <a:noFill/>
+                </a:ln>
+                <a:solidFill>
+                  <a:schemeClr val="tx1"/>
+                </a:solidFill>
+                <a:effectLst/>
+                <a:latin typeface="Arial" panose="020B0604020202020204" pitchFamily="34" charset="0"/>
+              </a:rPr>
+              <a:t> Notebook </a:t>
+            </a:r>
           </a:p>
         </p:txBody>
       </p:sp>
     </p:spTree>
     <p:extLst>
       <p:ext uri="{BB962C8B-B14F-4D97-AF65-F5344CB8AC3E}">
-        <p14:creationId xmlns:p14="http://schemas.microsoft.com/office/powerpoint/2010/main" val="29544680"/>
+        <p14:creationId xmlns:p14="http://schemas.microsoft.com/office/powerpoint/2010/main" val="2122841673"/>
+      </p:ext>
+    </p:extLst>
+  </p:cSld>
+  <p:clrMapOvr>
+    <a:masterClrMapping/>
+  </p:clrMapOvr>
+</p:sld>
+</file>
+
+<file path=ppt/slides/slide9.xml><?xml version="1.0" encoding="utf-8"?>
+<p:sld xmlns:a="http://schemas.openxmlformats.org/drawingml/2006/main" xmlns:r="http://schemas.openxmlformats.org/officeDocument/2006/relationships" xmlns:p="http://schemas.openxmlformats.org/presentationml/2006/main">
+  <p:cSld>
+    <p:spTree>
+      <p:nvGrpSpPr>
+        <p:cNvPr id="1" name=""/>
+        <p:cNvGrpSpPr/>
+        <p:nvPr/>
+      </p:nvGrpSpPr>
+      <p:grpSpPr>
+        <a:xfrm>
+          <a:off x="0" y="0"/>
+          <a:ext cx="0" cy="0"/>
+          <a:chOff x="0" y="0"/>
+          <a:chExt cx="0" cy="0"/>
+        </a:xfrm>
+      </p:grpSpPr>
+      <p:sp>
+        <p:nvSpPr>
+          <p:cNvPr id="2" name="Title 1">
+            <a:extLst>
+              <a:ext uri="{FF2B5EF4-FFF2-40B4-BE49-F238E27FC236}">
+                <a16:creationId xmlns:a16="http://schemas.microsoft.com/office/drawing/2014/main" id="{AD00C28F-E20E-4A25-8473-D97D85D93C5F}"/>
+              </a:ext>
+            </a:extLst>
+          </p:cNvPr>
+          <p:cNvSpPr>
+            <a:spLocks noGrp="1"/>
+          </p:cNvSpPr>
+          <p:nvPr>
+            <p:ph type="title"/>
+          </p:nvPr>
+        </p:nvSpPr>
+        <p:spPr/>
+        <p:txBody>
+          <a:bodyPr/>
+          <a:lstStyle/>
+          <a:p>
+            <a:r>
+              <a:rPr lang="en-US" dirty="0"/>
+              <a:t>Data Analysis</a:t>
+            </a:r>
+          </a:p>
+        </p:txBody>
+      </p:sp>
+      <p:sp>
+        <p:nvSpPr>
+          <p:cNvPr id="3" name="Rectangle 1">
+            <a:extLst>
+              <a:ext uri="{FF2B5EF4-FFF2-40B4-BE49-F238E27FC236}">
+                <a16:creationId xmlns:a16="http://schemas.microsoft.com/office/drawing/2014/main" id="{B67848B2-06B3-4940-8450-1B3D4BE71E00}"/>
+              </a:ext>
+            </a:extLst>
+          </p:cNvPr>
+          <p:cNvSpPr>
+            <a:spLocks noGrp="1" noChangeArrowheads="1"/>
+          </p:cNvSpPr>
+          <p:nvPr>
+            <p:ph idx="1"/>
+          </p:nvPr>
+        </p:nvSpPr>
+        <p:spPr bwMode="auto">
+          <a:xfrm>
+            <a:off x="1103313" y="2052638"/>
+            <a:ext cx="11559575" cy="646331"/>
+          </a:xfrm>
+          <a:prstGeom prst="rect">
+            <a:avLst/>
+          </a:prstGeom>
+          <a:noFill/>
+          <a:ln>
+            <a:noFill/>
+          </a:ln>
+          <a:effectLst/>
+          <a:extLst>
+            <a:ext uri="{909E8E84-426E-40DD-AFC4-6F175D3DCCD1}">
+              <a14:hiddenFill xmlns:a14="http://schemas.microsoft.com/office/drawing/2010/main">
+                <a:solidFill>
+                  <a:schemeClr val="accent1"/>
+                </a:solidFill>
+              </a14:hiddenFill>
+            </a:ext>
+            <a:ext uri="{91240B29-F687-4F45-9708-019B960494DF}">
+              <a14:hiddenLine xmlns:a14="http://schemas.microsoft.com/office/drawing/2010/main" w="9525">
+                <a:solidFill>
+                  <a:schemeClr val="tx1"/>
+                </a:solidFill>
+                <a:miter lim="800000"/>
+                <a:headEnd/>
+                <a:tailEnd/>
+              </a14:hiddenLine>
+            </a:ext>
+            <a:ext uri="{AF507438-7753-43E0-B8FC-AC1667EBCBE1}">
+              <a14:hiddenEffects xmlns:a14="http://schemas.microsoft.com/office/drawing/2010/main">
+                <a:effectLst>
+                  <a:outerShdw dist="35921" dir="2700000" algn="ctr" rotWithShape="0">
+                    <a:schemeClr val="bg2"/>
+                  </a:outerShdw>
+                </a:effectLst>
+              </a14:hiddenEffects>
+            </a:ext>
+          </a:extLst>
+        </p:spPr>
+        <p:txBody>
+          <a:bodyPr vert="horz" wrap="none" lIns="91440" tIns="45720" rIns="91440" bIns="45720" numCol="1" anchor="t" anchorCtr="0" compatLnSpc="1">
+            <a:prstTxWarp prst="textNoShape">
+              <a:avLst/>
+            </a:prstTxWarp>
+            <a:spAutoFit/>
+          </a:bodyPr>
+          <a:lstStyle/>
+          <a:p>
+            <a:pPr defTabSz="914400" eaLnBrk="0" fontAlgn="base" hangingPunct="0">
+              <a:spcBef>
+                <a:spcPct val="0"/>
+              </a:spcBef>
+              <a:spcAft>
+                <a:spcPct val="0"/>
+              </a:spcAft>
+              <a:buClrTx/>
+              <a:buSzTx/>
+            </a:pPr>
+            <a:r>
+              <a:rPr kumimoji="0" lang="en-US" altLang="en-US" sz="1800" b="0" i="0" u="none" strike="noStrike" cap="none" normalizeH="0" baseline="0" dirty="0">
+                <a:ln>
+                  <a:noFill/>
+                </a:ln>
+                <a:solidFill>
+                  <a:schemeClr val="tx1"/>
+                </a:solidFill>
+                <a:effectLst/>
+                <a:latin typeface="Arial" panose="020B0604020202020204" pitchFamily="34" charset="0"/>
+              </a:rPr>
+              <a:t>Discuss the steps you took to analyze the data and answer each question you asked in your proposal </a:t>
+            </a:r>
+          </a:p>
+          <a:p>
+            <a:pPr defTabSz="914400" eaLnBrk="0" fontAlgn="base" hangingPunct="0">
+              <a:spcBef>
+                <a:spcPct val="0"/>
+              </a:spcBef>
+              <a:spcAft>
+                <a:spcPct val="0"/>
+              </a:spcAft>
+              <a:buClrTx/>
+              <a:buSzTx/>
+            </a:pPr>
+            <a:r>
+              <a:rPr kumimoji="0" lang="en-US" altLang="en-US" sz="1800" b="0" i="0" u="none" strike="noStrike" cap="none" normalizeH="0" baseline="0" dirty="0">
+                <a:ln>
+                  <a:noFill/>
+                </a:ln>
+                <a:solidFill>
+                  <a:schemeClr val="tx1"/>
+                </a:solidFill>
+                <a:effectLst/>
+                <a:latin typeface="Arial" panose="020B0604020202020204" pitchFamily="34" charset="0"/>
+              </a:rPr>
+              <a:t>Present and discuss interesting figures developed during analysis, ideally with the help of </a:t>
+            </a:r>
+            <a:r>
+              <a:rPr kumimoji="0" lang="en-US" altLang="en-US" sz="1800" b="0" i="0" u="none" strike="noStrike" cap="none" normalizeH="0" baseline="0" dirty="0" err="1">
+                <a:ln>
+                  <a:noFill/>
+                </a:ln>
+                <a:solidFill>
+                  <a:schemeClr val="tx1"/>
+                </a:solidFill>
+                <a:effectLst/>
+                <a:latin typeface="Arial" panose="020B0604020202020204" pitchFamily="34" charset="0"/>
+              </a:rPr>
+              <a:t>Jupyter</a:t>
+            </a:r>
+            <a:r>
+              <a:rPr kumimoji="0" lang="en-US" altLang="en-US" sz="1800" b="0" i="0" u="none" strike="noStrike" cap="none" normalizeH="0" baseline="0" dirty="0">
+                <a:ln>
+                  <a:noFill/>
+                </a:ln>
+                <a:solidFill>
+                  <a:schemeClr val="tx1"/>
+                </a:solidFill>
+                <a:effectLst/>
+                <a:latin typeface="Arial" panose="020B0604020202020204" pitchFamily="34" charset="0"/>
+              </a:rPr>
+              <a:t> Notebook </a:t>
+            </a:r>
+          </a:p>
+        </p:txBody>
+      </p:sp>
+    </p:spTree>
+    <p:extLst>
+      <p:ext uri="{BB962C8B-B14F-4D97-AF65-F5344CB8AC3E}">
+        <p14:creationId xmlns:p14="http://schemas.microsoft.com/office/powerpoint/2010/main" val="2828544509"/>
       </p:ext>
     </p:extLst>
   </p:cSld>

--- a/Presentation.pptx
+++ b/Presentation.pptx
@@ -266,7 +266,7 @@
   </p:defaultTextStyle>
   <p:extLst>
     <p:ext uri="http://customooxmlschemas.google.com/">
-      <go:slidesCustomData xmlns:go="http://customooxmlschemas.google.com/" xmlns:p15="http://schemas.microsoft.com/office/powerpoint/2012/main" xmlns:p14="http://schemas.microsoft.com/office/powerpoint/2010/main" xmlns:com="http://schemas.openxmlformats.org/drawingml/2006/compatibility" xmlns:pvml="urn:schemas-microsoft-com:office:powerpoint" xmlns:v="urn:schemas-microsoft-com:vml" xmlns:o="urn:schemas-microsoft-com:office:office" xmlns:dgm="http://schemas.openxmlformats.org/drawingml/2006/diagram" xmlns:c="http://schemas.openxmlformats.org/drawingml/2006/chart" xmlns:mv="urn:schemas-microsoft-com:mac:vml" xmlns:mc="http://schemas.openxmlformats.org/markup-compatibility/2006" xmlns="" r:id="rId24" roundtripDataSignature="AMtx7mhld0Og8FNpgi2Xs0SO1iMZzxFMmQ=="/>
+      <go:slidesCustomData xmlns:go="http://customooxmlschemas.google.com/" xmlns:p15="http://schemas.microsoft.com/office/powerpoint/2012/main" xmlns:p14="http://schemas.microsoft.com/office/powerpoint/2010/main" xmlns:com="http://schemas.openxmlformats.org/drawingml/2006/compatibility" xmlns:pvml="urn:schemas-microsoft-com:office:powerpoint" xmlns:v="urn:schemas-microsoft-com:vml" xmlns:o="urn:schemas-microsoft-com:office:office" xmlns:dgm="http://schemas.openxmlformats.org/drawingml/2006/diagram" xmlns:c="http://schemas.openxmlformats.org/drawingml/2006/chart" xmlns:mv="urn:schemas-microsoft-com:mac:vml" xmlns:mc="http://schemas.openxmlformats.org/markup-compatibility/2006" xmlns="" r:id="rId24" roundtripDataSignature="AMtx7mi0g44gpk6zMp8kf4rKAcNys94vDQ=="/>
     </p:ext>
   </p:extLst>
 </p:presentation>
@@ -1290,7 +1290,7 @@
   <p:cSld>
     <p:spTree>
       <p:nvGrpSpPr>
-        <p:cNvPr id="1" name="Shape 232"/>
+        <p:cNvPr id="1" name="Shape 233"/>
         <p:cNvGrpSpPr/>
         <p:nvPr/>
       </p:nvGrpSpPr>
@@ -1304,7 +1304,7 @@
       </p:grpSpPr>
       <p:sp>
         <p:nvSpPr>
-          <p:cNvPr id="233" name="Google Shape;233;g75bbf50772_0_0:notes"/>
+          <p:cNvPr id="234" name="Google Shape;234;g75bbf50772_0_0:notes"/>
           <p:cNvSpPr>
             <a:spLocks noGrp="1" noRot="1" noChangeAspect="1"/>
           </p:cNvSpPr>
@@ -1345,7 +1345,7 @@
       </p:sp>
       <p:sp>
         <p:nvSpPr>
-          <p:cNvPr id="234" name="Google Shape;234;g75bbf50772_0_0:notes"/>
+          <p:cNvPr id="235" name="Google Shape;235;g75bbf50772_0_0:notes"/>
           <p:cNvSpPr txBox="1">
             <a:spLocks noGrp="1"/>
           </p:cNvSpPr>
@@ -1394,7 +1394,7 @@
   <p:cSld>
     <p:spTree>
       <p:nvGrpSpPr>
-        <p:cNvPr id="1" name="Shape 240"/>
+        <p:cNvPr id="1" name="Shape 241"/>
         <p:cNvGrpSpPr/>
         <p:nvPr/>
       </p:nvGrpSpPr>
@@ -1408,7 +1408,7 @@
       </p:grpSpPr>
       <p:sp>
         <p:nvSpPr>
-          <p:cNvPr id="241" name="Google Shape;241;p7:notes"/>
+          <p:cNvPr id="242" name="Google Shape;242;p7:notes"/>
           <p:cNvSpPr txBox="1">
             <a:spLocks noGrp="1"/>
           </p:cNvSpPr>
@@ -1454,7 +1454,7 @@
       </p:sp>
       <p:sp>
         <p:nvSpPr>
-          <p:cNvPr id="242" name="Google Shape;242;p7:notes"/>
+          <p:cNvPr id="243" name="Google Shape;243;p7:notes"/>
           <p:cNvSpPr>
             <a:spLocks noGrp="1" noRot="1" noChangeAspect="1"/>
           </p:cNvSpPr>
@@ -1516,7 +1516,7 @@
   <p:cSld>
     <p:spTree>
       <p:nvGrpSpPr>
-        <p:cNvPr id="1" name="Shape 246"/>
+        <p:cNvPr id="1" name="Shape 247"/>
         <p:cNvGrpSpPr/>
         <p:nvPr/>
       </p:nvGrpSpPr>
@@ -1530,7 +1530,7 @@
       </p:grpSpPr>
       <p:sp>
         <p:nvSpPr>
-          <p:cNvPr id="247" name="Google Shape;247;p8:notes"/>
+          <p:cNvPr id="248" name="Google Shape;248;p8:notes"/>
           <p:cNvSpPr txBox="1">
             <a:spLocks noGrp="1"/>
           </p:cNvSpPr>
@@ -1576,7 +1576,7 @@
       </p:sp>
       <p:sp>
         <p:nvSpPr>
-          <p:cNvPr id="248" name="Google Shape;248;p8:notes"/>
+          <p:cNvPr id="249" name="Google Shape;249;p8:notes"/>
           <p:cNvSpPr>
             <a:spLocks noGrp="1" noRot="1" noChangeAspect="1"/>
           </p:cNvSpPr>
@@ -25832,7 +25832,7 @@
             </a:pPr>
             <a:r>
               <a:rPr lang="en-US"/>
-              <a:t>Is there a visible relation between census data and review frequency by gender.</a:t>
+              <a:t>Is there a visible relation between median income of location of restaurant and review frequency by gender.</a:t>
             </a:r>
             <a:endParaRPr/>
           </a:p>
@@ -25854,8 +25854,8 @@
         </p:blipFill>
         <p:spPr>
           <a:xfrm>
-            <a:off x="1618289" y="1685350"/>
-            <a:ext cx="8955424" cy="4502425"/>
+            <a:off x="1555574" y="1979363"/>
+            <a:ext cx="8147925" cy="4096425"/>
           </a:xfrm>
           <a:prstGeom prst="rect">
             <a:avLst/>
@@ -25866,6 +25866,55 @@
           </a:ln>
         </p:spPr>
       </p:pic>
+      <p:sp>
+        <p:nvSpPr>
+          <p:cNvPr id="232" name="Google Shape;232;g7a7287b2d1_0_0"/>
+          <p:cNvSpPr txBox="1"/>
+          <p:nvPr/>
+        </p:nvSpPr>
+        <p:spPr>
+          <a:xfrm>
+            <a:off x="481400" y="6202050"/>
+            <a:ext cx="10578300" cy="456600"/>
+          </a:xfrm>
+          <a:prstGeom prst="rect">
+            <a:avLst/>
+          </a:prstGeom>
+          <a:noFill/>
+          <a:ln>
+            <a:noFill/>
+          </a:ln>
+        </p:spPr>
+        <p:txBody>
+          <a:bodyPr spcFirstLastPara="1" wrap="square" lIns="91425" tIns="45700" rIns="91425" bIns="45700" anchor="t" anchorCtr="0">
+            <a:noAutofit/>
+          </a:bodyPr>
+          <a:lstStyle/>
+          <a:p>
+            <a:pPr marL="0" marR="0" lvl="0" indent="0" algn="l" rtl="0">
+              <a:lnSpc>
+                <a:spcPct val="100000"/>
+              </a:lnSpc>
+              <a:spcBef>
+                <a:spcPts val="0"/>
+              </a:spcBef>
+              <a:spcAft>
+                <a:spcPts val="0"/>
+              </a:spcAft>
+              <a:buNone/>
+            </a:pPr>
+            <a:r>
+              <a:rPr lang="en-US" sz="1800">
+                <a:solidFill>
+                  <a:schemeClr val="lt1"/>
+                </a:solidFill>
+              </a:rPr>
+              <a:t>Conclusion: Women tend to rate restaurants located in more expensive areas more often than men.</a:t>
+            </a:r>
+            <a:endParaRPr sz="1800"/>
+          </a:p>
+        </p:txBody>
+      </p:sp>
     </p:spTree>
   </p:cSld>
   <p:clrMapOvr>
@@ -25879,7 +25928,7 @@
   <p:cSld>
     <p:spTree>
       <p:nvGrpSpPr>
-        <p:cNvPr id="1" name="Shape 235"/>
+        <p:cNvPr id="1" name="Shape 236"/>
         <p:cNvGrpSpPr/>
         <p:nvPr/>
       </p:nvGrpSpPr>
@@ -25893,7 +25942,7 @@
       </p:grpSpPr>
       <p:sp>
         <p:nvSpPr>
-          <p:cNvPr id="236" name="Google Shape;236;g75bbf50772_0_0"/>
+          <p:cNvPr id="237" name="Google Shape;237;g75bbf50772_0_0"/>
           <p:cNvSpPr txBox="1">
             <a:spLocks noGrp="1"/>
           </p:cNvSpPr>
@@ -25903,7 +25952,7 @@
         </p:nvSpPr>
         <p:spPr>
           <a:xfrm>
-            <a:off x="469399" y="452725"/>
+            <a:off x="365499" y="218925"/>
             <a:ext cx="10385700" cy="1400400"/>
           </a:xfrm>
           <a:prstGeom prst="rect">
@@ -25932,7 +25981,7 @@
             </a:pPr>
             <a:r>
               <a:rPr lang="en-US" sz="3000"/>
-              <a:t>Q3: Gender and Location dependant price structure</a:t>
+              <a:t>Q3: Location, Gender and Review to Price Ratio ($/# of reviews)</a:t>
             </a:r>
             <a:endParaRPr sz="3000"/>
           </a:p>
@@ -25952,7 +26001,7 @@
       </p:sp>
       <p:sp>
         <p:nvSpPr>
-          <p:cNvPr id="237" name="Google Shape;237;g75bbf50772_0_0"/>
+          <p:cNvPr id="238" name="Google Shape;238;g75bbf50772_0_0"/>
           <p:cNvSpPr txBox="1">
             <a:spLocks noGrp="1"/>
           </p:cNvSpPr>
@@ -25962,7 +26011,7 @@
         </p:nvSpPr>
         <p:spPr>
           <a:xfrm>
-            <a:off x="618150" y="1039051"/>
+            <a:off x="1622700" y="1290451"/>
             <a:ext cx="8946600" cy="406800"/>
           </a:xfrm>
           <a:prstGeom prst="rect">
@@ -26007,7 +26056,7 @@
       </p:sp>
       <p:sp>
         <p:nvSpPr>
-          <p:cNvPr id="238" name="Google Shape;238;g75bbf50772_0_0"/>
+          <p:cNvPr id="239" name="Google Shape;239;g75bbf50772_0_0"/>
           <p:cNvSpPr txBox="1"/>
           <p:nvPr/>
         </p:nvSpPr>
@@ -26049,7 +26098,7 @@
                   <a:schemeClr val="lt1"/>
                 </a:solidFill>
               </a:rPr>
-              <a:t>Hypothesis: Women are more likely to more often rate $$$ restaurants in affluent areas, while man are more frequently reviewing in $ less affluent areas (bargain hunting) .</a:t>
+              <a:t>Conclusion: Women are more likely to more often rate $$$ restaurants in affluent areas, while man are more frequently reviewing in $ less affluent areas (bargain hunting) .</a:t>
             </a:r>
             <a:endParaRPr sz="1800">
               <a:solidFill>
@@ -26089,7 +26138,7 @@
       </p:sp>
       <p:pic>
         <p:nvPicPr>
-          <p:cNvPr id="239" name="Google Shape;239;g75bbf50772_0_0"/>
+          <p:cNvPr id="240" name="Google Shape;240;g75bbf50772_0_0"/>
           <p:cNvPicPr preferRelativeResize="0"/>
           <p:nvPr/>
         </p:nvPicPr>
@@ -26103,8 +26152,8 @@
         </p:blipFill>
         <p:spPr>
           <a:xfrm>
-            <a:off x="1912125" y="1337325"/>
-            <a:ext cx="8367750" cy="4389100"/>
+            <a:off x="4257425" y="1982825"/>
+            <a:ext cx="6113376" cy="3206624"/>
           </a:xfrm>
           <a:prstGeom prst="rect">
             <a:avLst/>
@@ -26128,7 +26177,7 @@
   <p:cSld>
     <p:spTree>
       <p:nvGrpSpPr>
-        <p:cNvPr id="1" name="Shape 243"/>
+        <p:cNvPr id="1" name="Shape 244"/>
         <p:cNvGrpSpPr/>
         <p:nvPr/>
       </p:nvGrpSpPr>
@@ -26142,7 +26191,7 @@
       </p:grpSpPr>
       <p:sp>
         <p:nvSpPr>
-          <p:cNvPr id="244" name="Google Shape;244;p7"/>
+          <p:cNvPr id="245" name="Google Shape;245;p7"/>
           <p:cNvSpPr txBox="1">
             <a:spLocks noGrp="1"/>
           </p:cNvSpPr>
@@ -26196,7 +26245,7 @@
       </p:sp>
       <p:sp>
         <p:nvSpPr>
-          <p:cNvPr id="245" name="Google Shape;245;p7"/>
+          <p:cNvPr id="246" name="Google Shape;246;p7"/>
           <p:cNvSpPr txBox="1">
             <a:spLocks noGrp="1"/>
           </p:cNvSpPr>
@@ -26311,37 +26360,6 @@
                 <a:cs typeface="Arial"/>
                 <a:sym typeface="Arial"/>
               </a:rPr>
-              <a:t>JSON dump reviewed all sorts of businesses, YELP API just restaurants/food related establishments</a:t>
-            </a:r>
-            <a:endParaRPr>
-              <a:latin typeface="Arial"/>
-              <a:ea typeface="Arial"/>
-              <a:cs typeface="Arial"/>
-              <a:sym typeface="Arial"/>
-            </a:endParaRPr>
-          </a:p>
-          <a:p>
-            <a:pPr marL="914400" lvl="1" indent="-342900" algn="l" rtl="0">
-              <a:lnSpc>
-                <a:spcPct val="100000"/>
-              </a:lnSpc>
-              <a:spcBef>
-                <a:spcPts val="0"/>
-              </a:spcBef>
-              <a:spcAft>
-                <a:spcPts val="0"/>
-              </a:spcAft>
-              <a:buSzPts val="1800"/>
-              <a:buFont typeface="Arial"/>
-              <a:buChar char="►"/>
-            </a:pPr>
-            <a:r>
-              <a:rPr lang="en-US">
-                <a:latin typeface="Arial"/>
-                <a:ea typeface="Arial"/>
-                <a:cs typeface="Arial"/>
-                <a:sym typeface="Arial"/>
-              </a:rPr>
               <a:t>This process also exposed the deficiencies of YELP API when it comes to location based queries. Most likely in the future this should be done in combination with Google geolocation services.</a:t>
             </a:r>
             <a:endParaRPr>
@@ -26404,7 +26422,7 @@
                 <a:cs typeface="Arial"/>
                 <a:sym typeface="Arial"/>
               </a:rPr>
-              <a:t>Every time a YELP Api is rerun, new reviews are retrieved affecting the results to some extend.</a:t>
+              <a:t>Every time a YELP Api is rerun, new reviews are retrieved affecting the results to some extent.</a:t>
             </a:r>
             <a:endParaRPr>
               <a:latin typeface="Arial"/>
@@ -26584,7 +26602,7 @@
                 <a:cs typeface="Arial"/>
                 <a:sym typeface="Arial"/>
               </a:rPr>
-              <a:t>Getting a better insight in transient nature of establishments. Do they cater to local population on not,.</a:t>
+              <a:t>Getting a better insight in out-of-zip-code visitors vs locals. Do they cater to local population on not.</a:t>
             </a:r>
             <a:endParaRPr>
               <a:latin typeface="Arial"/>
@@ -26608,7 +26626,7 @@
   <p:cSld>
     <p:spTree>
       <p:nvGrpSpPr>
-        <p:cNvPr id="1" name="Shape 249"/>
+        <p:cNvPr id="1" name="Shape 250"/>
         <p:cNvGrpSpPr/>
         <p:nvPr/>
       </p:nvGrpSpPr>
@@ -26622,7 +26640,7 @@
       </p:grpSpPr>
       <p:sp>
         <p:nvSpPr>
-          <p:cNvPr id="250" name="Google Shape;250;p8"/>
+          <p:cNvPr id="251" name="Google Shape;251;p8"/>
           <p:cNvSpPr txBox="1">
             <a:spLocks noGrp="1"/>
           </p:cNvSpPr>
@@ -26676,7 +26694,7 @@
       </p:sp>
       <p:pic>
         <p:nvPicPr>
-          <p:cNvPr id="251" name="Google Shape;251;p8"/>
+          <p:cNvPr id="252" name="Google Shape;252;p8"/>
           <p:cNvPicPr preferRelativeResize="0"/>
           <p:nvPr/>
         </p:nvPicPr>
@@ -27341,10 +27359,7 @@
             </a:endParaRPr>
           </a:p>
           <a:p>
-            <a:pPr marL="1371600" marR="0" lvl="2" indent="-330200" algn="l" rtl="0">
-              <a:lnSpc>
-                <a:spcPct val="100000"/>
-              </a:lnSpc>
+            <a:pPr marL="1371600" lvl="2" indent="-330200" algn="l" rtl="0">
               <a:spcBef>
                 <a:spcPts val="0"/>
               </a:spcBef>
@@ -27363,7 +27378,7 @@
                   <a:schemeClr val="lt1"/>
                 </a:solidFill>
               </a:rPr>
-              <a:t>Women are rating with greater frequency and more favorably in higher rated restaurants</a:t>
+              <a:t>Women tend to rate restaurants located in more expensive areas more often than men.</a:t>
             </a:r>
             <a:endParaRPr sz="1600">
               <a:solidFill>
@@ -27372,10 +27387,7 @@
             </a:endParaRPr>
           </a:p>
           <a:p>
-            <a:pPr marL="1371600" marR="0" lvl="2" indent="-330200" algn="l" rtl="0">
-              <a:lnSpc>
-                <a:spcPct val="100000"/>
-              </a:lnSpc>
+            <a:pPr marL="1371600" lvl="2" indent="-330200" algn="l" rtl="0">
               <a:spcBef>
                 <a:spcPts val="0"/>
               </a:spcBef>
@@ -27394,7 +27406,7 @@
                   <a:schemeClr val="lt1"/>
                 </a:solidFill>
               </a:rPr>
-              <a:t>Men are rating with greater frequency and more favorably in lower rated restaurants</a:t>
+              <a:t>Women are more likely to more often rate $$$ restaurants in affluent areas, while man are more frequently reviewing in $ less affluent areas (bargain hunting)</a:t>
             </a:r>
             <a:endParaRPr sz="1600">
               <a:solidFill>
@@ -27434,7 +27446,7 @@
                   <a:schemeClr val="accent1"/>
                 </a:solidFill>
               </a:rPr>
-              <a:t>YELP reviews are affected by gender and where you live!</a:t>
+              <a:t>YELP reviews are affected by gender and where the restaurants are located!</a:t>
             </a:r>
             <a:endParaRPr sz="1600" b="1">
               <a:solidFill>
@@ -29449,7 +29461,7 @@
                   <a:schemeClr val="lt1"/>
                 </a:solidFill>
               </a:rPr>
-              <a:t>Conclusion: Men tend to rate more $ restaurants vs Women who write significantly more reviews about $$ restaurants. Restaurants could target their marketing towards men/women depending on how pricy the are.</a:t>
+              <a:t>Conclusion: Men tend to write more reviews about $ restaurants vs women who write significantly more reviews about $$ restaurants. Restaurants could target their marketing towards men/women depending on how pricy the are.</a:t>
             </a:r>
             <a:endParaRPr sz="1800"/>
           </a:p>

--- a/Presentation.pptx
+++ b/Presentation.pptx
@@ -26807,8 +26807,8 @@
         </p:nvSpPr>
         <p:spPr>
           <a:xfrm>
-            <a:off x="1105900" y="1331350"/>
-            <a:ext cx="10244700" cy="5132100"/>
+            <a:off x="590875" y="1331350"/>
+            <a:ext cx="11439600" cy="5132100"/>
           </a:xfrm>
           <a:prstGeom prst="rect">
             <a:avLst/>
@@ -26841,14 +26841,14 @@
               <a:buChar char="►"/>
             </a:pPr>
             <a:r>
-              <a:rPr lang="en-US" sz="1600">
+              <a:rPr lang="en-US" sz="1600" dirty="0">
                 <a:solidFill>
                   <a:schemeClr val="lt1"/>
                 </a:solidFill>
               </a:rPr>
               <a:t>MOTIVATION: </a:t>
             </a:r>
-            <a:endParaRPr sz="1600">
+            <a:endParaRPr sz="1600" dirty="0">
               <a:solidFill>
                 <a:schemeClr val="lt1"/>
               </a:solidFill>
@@ -26872,14 +26872,14 @@
               <a:buChar char="►"/>
             </a:pPr>
             <a:r>
-              <a:rPr lang="en-US" sz="1600">
+              <a:rPr lang="en-US" sz="1600" dirty="0">
                 <a:solidFill>
                   <a:schemeClr val="lt1"/>
                 </a:solidFill>
               </a:rPr>
               <a:t>Are there gender differences on YELP?</a:t>
             </a:r>
-            <a:endParaRPr sz="1600">
+            <a:endParaRPr sz="1600" dirty="0">
               <a:solidFill>
                 <a:schemeClr val="lt1"/>
               </a:solidFill>
@@ -26903,14 +26903,14 @@
               <a:buChar char="►"/>
             </a:pPr>
             <a:r>
-              <a:rPr lang="en-US" sz="1600">
+              <a:rPr lang="en-US" sz="1600" dirty="0">
                 <a:solidFill>
                   <a:schemeClr val="lt1"/>
                 </a:solidFill>
               </a:rPr>
               <a:t>The answer to these questions may help restaurants better target their audience.</a:t>
             </a:r>
-            <a:endParaRPr sz="1600">
+            <a:endParaRPr sz="1600" dirty="0">
               <a:solidFill>
                 <a:schemeClr val="lt1"/>
               </a:solidFill>
@@ -26929,7 +26929,7 @@
               </a:spcAft>
               <a:buNone/>
             </a:pPr>
-            <a:endParaRPr sz="1600">
+            <a:endParaRPr sz="1600" dirty="0">
               <a:solidFill>
                 <a:schemeClr val="lt1"/>
               </a:solidFill>
@@ -26954,14 +26954,14 @@
               <a:buChar char="►"/>
             </a:pPr>
             <a:r>
-              <a:rPr lang="en-US" sz="1600">
+              <a:rPr lang="en-US" sz="1600" dirty="0">
                 <a:solidFill>
                   <a:schemeClr val="lt1"/>
                 </a:solidFill>
               </a:rPr>
               <a:t>QUESTIONS:</a:t>
             </a:r>
-            <a:endParaRPr sz="1600"/>
+            <a:endParaRPr sz="1600" dirty="0"/>
           </a:p>
           <a:p>
             <a:pPr marL="914400" marR="0" lvl="1" indent="-320040" algn="l" rtl="0">
@@ -26982,7 +26982,7 @@
               <a:buChar char="►"/>
             </a:pPr>
             <a:r>
-              <a:rPr lang="en-US" sz="1600">
+              <a:rPr lang="en-US" sz="1600" dirty="0">
                 <a:solidFill>
                   <a:schemeClr val="lt1"/>
                 </a:solidFill>
@@ -26990,7 +26990,7 @@
               <a:t>Q1: Who reviews more often and a</a:t>
             </a:r>
             <a:r>
-              <a:rPr lang="en-US" sz="1600" b="0" i="0" u="none" strike="noStrike" cap="none">
+              <a:rPr lang="en-US" sz="1600" b="0" i="0" u="none" strike="noStrike" cap="none" dirty="0">
                 <a:solidFill>
                   <a:schemeClr val="lt1"/>
                 </a:solidFill>
@@ -27002,14 +27002,14 @@
               <a:t>re men and women perceived differently by their peers</a:t>
             </a:r>
             <a:r>
-              <a:rPr lang="en-US" sz="1600">
+              <a:rPr lang="en-US" sz="1600" dirty="0">
                 <a:solidFill>
                   <a:schemeClr val="lt1"/>
                 </a:solidFill>
               </a:rPr>
               <a:t>? (MJ)</a:t>
             </a:r>
-            <a:endParaRPr sz="1600">
+            <a:endParaRPr sz="1600" dirty="0">
               <a:solidFill>
                 <a:schemeClr val="lt1"/>
               </a:solidFill>
@@ -27034,7 +27034,7 @@
               <a:buChar char="►"/>
             </a:pPr>
             <a:r>
-              <a:rPr lang="en-US" sz="1600">
+              <a:rPr lang="en-US" sz="1600" dirty="0">
                 <a:solidFill>
                   <a:schemeClr val="lt1"/>
                 </a:solidFill>
@@ -27042,7 +27042,7 @@
               <a:t>Q2: </a:t>
             </a:r>
             <a:r>
-              <a:rPr lang="en-US" sz="1600" b="0" i="0" u="none" strike="noStrike" cap="none">
+              <a:rPr lang="en-US" sz="1600" b="0" i="0" u="none" strike="noStrike" cap="none" dirty="0">
                 <a:solidFill>
                   <a:schemeClr val="lt1"/>
                 </a:solidFill>
@@ -27054,7 +27054,7 @@
               <a:t>Do men review restaurants differently from women when it comes to the type of restaurants they review (cheap to expensive) and the ratings they give (1 to 5 stars) (A</a:t>
             </a:r>
             <a:r>
-              <a:rPr lang="en-US" sz="1600">
+              <a:rPr lang="en-US" sz="1600" dirty="0">
                 <a:solidFill>
                   <a:schemeClr val="lt1"/>
                 </a:solidFill>
@@ -27062,7 +27062,7 @@
               <a:t>ukje</a:t>
             </a:r>
             <a:r>
-              <a:rPr lang="en-US" sz="1600" b="0" i="0" u="none" strike="noStrike" cap="none">
+              <a:rPr lang="en-US" sz="1600" b="0" i="0" u="none" strike="noStrike" cap="none" dirty="0">
                 <a:solidFill>
                   <a:schemeClr val="lt1"/>
                 </a:solidFill>
@@ -27073,7 +27073,7 @@
               </a:rPr>
               <a:t>)</a:t>
             </a:r>
-            <a:endParaRPr sz="1600"/>
+            <a:endParaRPr sz="1600" dirty="0"/>
           </a:p>
           <a:p>
             <a:pPr marL="914400" marR="0" lvl="1" indent="-320040" algn="l" rtl="0">
@@ -27094,7 +27094,7 @@
               <a:buChar char="►"/>
             </a:pPr>
             <a:r>
-              <a:rPr lang="en-US" sz="1600">
+              <a:rPr lang="en-US" sz="1600" dirty="0">
                 <a:solidFill>
                   <a:schemeClr val="lt1"/>
                 </a:solidFill>
@@ -27102,7 +27102,7 @@
               <a:t>Q3: </a:t>
             </a:r>
             <a:r>
-              <a:rPr lang="en-US" sz="1600" b="0" i="0" u="none" strike="noStrike" cap="none">
+              <a:rPr lang="en-US" sz="1600" b="0" i="0" u="none" strike="noStrike" cap="none" dirty="0">
                 <a:solidFill>
                   <a:schemeClr val="lt1"/>
                 </a:solidFill>
@@ -27114,7 +27114,7 @@
               <a:t>How is review behavior related to local </a:t>
             </a:r>
             <a:r>
-              <a:rPr lang="en-US" sz="1600">
+              <a:rPr lang="en-US" sz="1600" dirty="0">
                 <a:solidFill>
                   <a:schemeClr val="lt1"/>
                 </a:solidFill>
@@ -27122,7 +27122,7 @@
               <a:t>economic</a:t>
             </a:r>
             <a:r>
-              <a:rPr lang="en-US" sz="1600" b="0" i="0" u="none" strike="noStrike" cap="none">
+              <a:rPr lang="en-US" sz="1600" b="0" i="0" u="none" strike="noStrike" cap="none" dirty="0">
                 <a:solidFill>
                   <a:schemeClr val="lt1"/>
                 </a:solidFill>
@@ -27134,14 +27134,14 @@
               <a:t> </a:t>
             </a:r>
             <a:r>
-              <a:rPr lang="en-US" sz="1600">
+              <a:rPr lang="en-US" sz="1600" dirty="0">
                 <a:solidFill>
                   <a:schemeClr val="lt1"/>
                 </a:solidFill>
               </a:rPr>
               <a:t>factors (avg household income/ZIP) (Tom)</a:t>
             </a:r>
-            <a:endParaRPr sz="1600"/>
+            <a:endParaRPr sz="1600" dirty="0"/>
           </a:p>
           <a:p>
             <a:pPr marL="914400" marR="0" lvl="1" indent="-218440" algn="l" rtl="0">
@@ -27161,7 +27161,7 @@
               <a:buFont typeface="Noto Sans Symbols"/>
               <a:buNone/>
             </a:pPr>
-            <a:endParaRPr sz="1600" b="0" i="0" u="none" strike="noStrike" cap="none">
+            <a:endParaRPr sz="1600" b="0" i="0" u="none" strike="noStrike" cap="none" dirty="0">
               <a:solidFill>
                 <a:schemeClr val="lt1"/>
               </a:solidFill>
@@ -27190,14 +27190,14 @@
               <a:buChar char="►"/>
             </a:pPr>
             <a:r>
-              <a:rPr lang="en-US" sz="1600">
+              <a:rPr lang="en-US" sz="1600" dirty="0">
                 <a:solidFill>
                   <a:schemeClr val="lt1"/>
                 </a:solidFill>
               </a:rPr>
               <a:t>CONCLUSIONS:</a:t>
             </a:r>
-            <a:endParaRPr sz="1600">
+            <a:endParaRPr sz="1600" dirty="0">
               <a:solidFill>
                 <a:schemeClr val="lt1"/>
               </a:solidFill>
@@ -27221,14 +27221,14 @@
               <a:buChar char="►"/>
             </a:pPr>
             <a:r>
-              <a:rPr lang="en-US" sz="1600">
+              <a:rPr lang="en-US" sz="1600" dirty="0">
                 <a:solidFill>
                   <a:schemeClr val="lt1"/>
                 </a:solidFill>
               </a:rPr>
               <a:t>Q1: Women have more fans, but also review more often</a:t>
             </a:r>
-            <a:endParaRPr sz="1600">
+            <a:endParaRPr sz="1600" dirty="0">
               <a:solidFill>
                 <a:schemeClr val="lt1"/>
               </a:solidFill>
@@ -27283,14 +27283,14 @@
               <a:buChar char="■"/>
             </a:pPr>
             <a:r>
-              <a:rPr lang="en-US" sz="1600">
+              <a:rPr lang="en-US" sz="1600" dirty="0">
                 <a:solidFill>
                   <a:schemeClr val="lt1"/>
                 </a:solidFill>
               </a:rPr>
               <a:t>the type of restaurants they rate (men rate more $ and women more $$ restaurants) </a:t>
             </a:r>
-            <a:endParaRPr sz="1600">
+            <a:endParaRPr sz="1600" dirty="0">
               <a:solidFill>
                 <a:schemeClr val="lt1"/>
               </a:solidFill>
@@ -27314,14 +27314,14 @@
               <a:buChar char="■"/>
             </a:pPr>
             <a:r>
-              <a:rPr lang="en-US" sz="1600">
+              <a:rPr lang="en-US" sz="1600" dirty="0">
                 <a:solidFill>
                   <a:schemeClr val="lt1"/>
                 </a:solidFill>
               </a:rPr>
               <a:t>the review rating they assign (women rate ‘higher’ on average)</a:t>
             </a:r>
-            <a:endParaRPr sz="1600">
+            <a:endParaRPr sz="1600" dirty="0">
               <a:solidFill>
                 <a:schemeClr val="lt1"/>
               </a:solidFill>
@@ -27345,14 +27345,14 @@
               <a:buChar char="►"/>
             </a:pPr>
             <a:r>
-              <a:rPr lang="en-US" sz="1600">
+              <a:rPr lang="en-US" sz="1600" dirty="0">
                 <a:solidFill>
                   <a:schemeClr val="lt1"/>
                 </a:solidFill>
               </a:rPr>
               <a:t>Q3:  Rating based on establishment’s ZIP economic indicators</a:t>
             </a:r>
-            <a:endParaRPr sz="1600">
+            <a:endParaRPr sz="1600" dirty="0">
               <a:solidFill>
                 <a:schemeClr val="lt1"/>
               </a:solidFill>
@@ -27373,14 +27373,14 @@
               <a:buChar char="■"/>
             </a:pPr>
             <a:r>
-              <a:rPr lang="en-US" sz="1600">
+              <a:rPr lang="en-US" sz="1600" dirty="0">
                 <a:solidFill>
                   <a:schemeClr val="lt1"/>
                 </a:solidFill>
               </a:rPr>
               <a:t>Women tend to rate restaurants located in more expensive areas more often than men.</a:t>
             </a:r>
-            <a:endParaRPr sz="1600">
+            <a:endParaRPr sz="1600" dirty="0">
               <a:solidFill>
                 <a:schemeClr val="lt1"/>
               </a:solidFill>
@@ -27401,14 +27401,45 @@
               <a:buChar char="■"/>
             </a:pPr>
             <a:r>
-              <a:rPr lang="en-US" sz="1600">
+              <a:rPr lang="en-US" sz="1600" dirty="0">
                 <a:solidFill>
                   <a:schemeClr val="lt1"/>
                 </a:solidFill>
               </a:rPr>
               <a:t>Women are more likely to more often rate $$$ restaurants in affluent areas, while man are more frequently reviewing in $ less affluent areas (bargain hunting)</a:t>
             </a:r>
-            <a:endParaRPr sz="1600">
+            <a:br>
+              <a:rPr lang="en-US" sz="1600" dirty="0">
+                <a:solidFill>
+                  <a:schemeClr val="lt1"/>
+                </a:solidFill>
+              </a:rPr>
+            </a:br>
+            <a:endParaRPr sz="1600" dirty="0">
+              <a:solidFill>
+                <a:schemeClr val="lt1"/>
+              </a:solidFill>
+            </a:endParaRPr>
+          </a:p>
+          <a:p>
+            <a:pPr marL="0" lvl="0" indent="0" algn="l" rtl="0">
+              <a:spcBef>
+                <a:spcPts val="0"/>
+              </a:spcBef>
+              <a:spcAft>
+                <a:spcPts val="0"/>
+              </a:spcAft>
+              <a:buNone/>
+            </a:pPr>
+            <a:r>
+              <a:rPr lang="en-US" sz="2400" b="1" dirty="0">
+                <a:solidFill>
+                  <a:schemeClr val="accent1"/>
+                </a:solidFill>
+              </a:rPr>
+              <a:t>YELP reviews are affected by gender and where the restaurants are located!</a:t>
+            </a:r>
+            <a:endParaRPr sz="1600" dirty="0">
               <a:solidFill>
                 <a:schemeClr val="lt1"/>
               </a:solidFill>
@@ -27424,7 +27455,7 @@
               </a:spcAft>
               <a:buNone/>
             </a:pPr>
-            <a:endParaRPr sz="2400" b="1">
+            <a:endParaRPr sz="2400" b="1" dirty="0">
               <a:solidFill>
                 <a:schemeClr val="accent1"/>
               </a:solidFill>
@@ -27440,15 +27471,7 @@
               </a:spcAft>
               <a:buNone/>
             </a:pPr>
-            <a:r>
-              <a:rPr lang="en-US" sz="2400" b="1">
-                <a:solidFill>
-                  <a:schemeClr val="accent1"/>
-                </a:solidFill>
-              </a:rPr>
-              <a:t>YELP reviews are affected by gender and where the restaurants are located!</a:t>
-            </a:r>
-            <a:endParaRPr sz="1600" b="1">
+            <a:endParaRPr sz="1600" b="1" dirty="0">
               <a:solidFill>
                 <a:schemeClr val="lt1"/>
               </a:solidFill>

--- a/Presentation.pptx
+++ b/Presentation.pptx
@@ -265,8 +265,11 @@
     </a:lvl9pPr>
   </p:defaultTextStyle>
   <p:extLst>
+    <p:ext uri="{EFAFB233-063F-42B5-8137-9DF3F51BA10A}">
+      <p15:sldGuideLst xmlns:p15="http://schemas.microsoft.com/office/powerpoint/2012/main"/>
+    </p:ext>
     <p:ext uri="http://customooxmlschemas.google.com/">
-      <go:slidesCustomData xmlns:go="http://customooxmlschemas.google.com/" xmlns:p15="http://schemas.microsoft.com/office/powerpoint/2012/main" xmlns:p14="http://schemas.microsoft.com/office/powerpoint/2010/main" xmlns:com="http://schemas.openxmlformats.org/drawingml/2006/compatibility" xmlns:pvml="urn:schemas-microsoft-com:office:powerpoint" xmlns:v="urn:schemas-microsoft-com:vml" xmlns:o="urn:schemas-microsoft-com:office:office" xmlns:dgm="http://schemas.openxmlformats.org/drawingml/2006/diagram" xmlns:c="http://schemas.openxmlformats.org/drawingml/2006/chart" xmlns:mv="urn:schemas-microsoft-com:mac:vml" xmlns:mc="http://schemas.openxmlformats.org/markup-compatibility/2006" xmlns="" r:id="rId24" roundtripDataSignature="AMtx7mi0g44gpk6zMp8kf4rKAcNys94vDQ=="/>
+      <go:slidesCustomData xmlns="" xmlns:mc="http://schemas.openxmlformats.org/markup-compatibility/2006" xmlns:mv="urn:schemas-microsoft-com:mac:vml" xmlns:c="http://schemas.openxmlformats.org/drawingml/2006/chart" xmlns:dgm="http://schemas.openxmlformats.org/drawingml/2006/diagram" xmlns:o="urn:schemas-microsoft-com:office:office" xmlns:v="urn:schemas-microsoft-com:vml" xmlns:pvml="urn:schemas-microsoft-com:office:powerpoint" xmlns:com="http://schemas.openxmlformats.org/drawingml/2006/compatibility" xmlns:p14="http://schemas.microsoft.com/office/powerpoint/2010/main" xmlns:p15="http://schemas.microsoft.com/office/powerpoint/2012/main" xmlns:go="http://customooxmlschemas.google.com/" r:id="rId24" roundtripDataSignature="AMtx7mi0g44gpk6zMp8kf4rKAcNys94vDQ=="/>
     </p:ext>
   </p:extLst>
 </p:presentation>
@@ -26792,10 +26795,10 @@
               <a:buNone/>
             </a:pPr>
             <a:r>
-              <a:rPr lang="en-US"/>
+              <a:rPr lang="en-US" dirty="0"/>
               <a:t>Summary</a:t>
             </a:r>
-            <a:endParaRPr/>
+            <a:endParaRPr dirty="0"/>
           </a:p>
         </p:txBody>
       </p:sp>
@@ -26808,7 +26811,7 @@
         <p:spPr>
           <a:xfrm>
             <a:off x="590875" y="1331350"/>
-            <a:ext cx="11439600" cy="5132100"/>
+            <a:ext cx="11439600" cy="6001603"/>
           </a:xfrm>
           <a:prstGeom prst="rect">
             <a:avLst/>
@@ -27139,7 +27142,7 @@
                   <a:schemeClr val="lt1"/>
                 </a:solidFill>
               </a:rPr>
-              <a:t>factors (avg household income/ZIP) (Tom)</a:t>
+              <a:t>factors (avg household income/ZIP) (Tomislav)</a:t>
             </a:r>
             <a:endParaRPr sz="1600" dirty="0"/>
           </a:p>
@@ -27252,14 +27255,14 @@
               <a:buChar char="►"/>
             </a:pPr>
             <a:r>
-              <a:rPr lang="en-US" sz="1600">
+              <a:rPr lang="en-US" sz="1600" dirty="0">
                 <a:solidFill>
                   <a:schemeClr val="lt1"/>
                 </a:solidFill>
               </a:rPr>
               <a:t>Q2: There is  a significant difference  between men and women in</a:t>
             </a:r>
-            <a:endParaRPr sz="1600">
+            <a:endParaRPr sz="1600" dirty="0">
               <a:solidFill>
                 <a:schemeClr val="lt1"/>
               </a:solidFill>
